--- a/presertation.pptx
+++ b/presertation.pptx
@@ -1,24 +1,25 @@
 
 <file path=ppt/presentation.xml><?xml version="1.0" encoding="utf-8"?>
-<p:presentation xmlns:a="http://schemas.openxmlformats.org/drawingml/2006/main" xmlns:r="http://schemas.openxmlformats.org/officeDocument/2006/relationships" xmlns:p="http://schemas.openxmlformats.org/presentationml/2006/main" xmlns:m="http://schemas.openxmlformats.org/officeDocument/2006/math" xmlns:a14="http://schemas.microsoft.com/office/drawing/2010/main">
+<p:presentation xmlns:a="http://schemas.openxmlformats.org/drawingml/2006/main" xmlns:r="http://schemas.openxmlformats.org/officeDocument/2006/relationships" xmlns:p="http://schemas.openxmlformats.org/presentationml/2006/main">
   <p:sldMasterIdLst>
-    <p:sldMasterId id="2147483648" r:id="rId5"/>
+    <p:sldMasterId id="2147483648" r:id="rId1"/>
   </p:sldMasterIdLst>
   <p:notesMasterIdLst>
-    <p:notesMasterId r:id="rId7"/>
+    <p:notesMasterId r:id="rId14"/>
   </p:notesMasterIdLst>
   <p:sldIdLst>
-    <p:sldId id="256" r:id="rId8"/>
-    <p:sldId id="257" r:id="rId9"/>
-    <p:sldId id="258" r:id="rId10"/>
-    <p:sldId id="259" r:id="rId11"/>
-    <p:sldId id="260" r:id="rId12"/>
-    <p:sldId id="261" r:id="rId13"/>
-    <p:sldId id="262" r:id="rId14"/>
-    <p:sldId id="263" r:id="rId15"/>
-    <p:sldId id="264" r:id="rId16"/>
-    <p:sldId id="265" r:id="rId17"/>
-    <p:sldId id="266" r:id="rId18"/>
+    <p:sldId id="256" r:id="rId2"/>
+    <p:sldId id="257" r:id="rId3"/>
+    <p:sldId id="258" r:id="rId4"/>
+    <p:sldId id="259" r:id="rId5"/>
+    <p:sldId id="260" r:id="rId6"/>
+    <p:sldId id="261" r:id="rId7"/>
+    <p:sldId id="262" r:id="rId8"/>
+    <p:sldId id="263" r:id="rId9"/>
+    <p:sldId id="267" r:id="rId10"/>
+    <p:sldId id="264" r:id="rId11"/>
+    <p:sldId id="265" r:id="rId12"/>
+    <p:sldId id="266" r:id="rId13"/>
   </p:sldIdLst>
   <p:sldSz cx="13004800" cy="9753600"/>
   <p:notesSz cx="6858000" cy="9144000"/>
@@ -38,7 +39,7 @@
       <a:buFontTx/>
       <a:buNone/>
       <a:tabLst/>
-      <a:defRPr b="0" baseline="0" cap="none" i="0" spc="0" strike="noStrike" sz="1800" u="none" kumimoji="0" normalizeH="0">
+      <a:defRPr kumimoji="0" sz="1800" b="0" i="0" u="none" strike="noStrike" cap="none" spc="0" normalizeH="0" baseline="0">
         <a:ln>
           <a:noFill/>
         </a:ln>
@@ -64,7 +65,7 @@
       <a:buFontTx/>
       <a:buNone/>
       <a:tabLst/>
-      <a:defRPr b="1" baseline="0" cap="none" i="0" spc="0" strike="noStrike" sz="2400" u="none" kumimoji="0" normalizeH="0">
+      <a:defRPr kumimoji="0" sz="2400" b="1" i="0" u="none" strike="noStrike" cap="none" spc="0" normalizeH="0" baseline="0">
         <a:ln>
           <a:noFill/>
         </a:ln>
@@ -94,7 +95,7 @@
       <a:buFontTx/>
       <a:buNone/>
       <a:tabLst/>
-      <a:defRPr b="1" baseline="0" cap="none" i="0" spc="0" strike="noStrike" sz="2400" u="none" kumimoji="0" normalizeH="0">
+      <a:defRPr kumimoji="0" sz="2400" b="1" i="0" u="none" strike="noStrike" cap="none" spc="0" normalizeH="0" baseline="0">
         <a:ln>
           <a:noFill/>
         </a:ln>
@@ -124,7 +125,7 @@
       <a:buFontTx/>
       <a:buNone/>
       <a:tabLst/>
-      <a:defRPr b="1" baseline="0" cap="none" i="0" spc="0" strike="noStrike" sz="2400" u="none" kumimoji="0" normalizeH="0">
+      <a:defRPr kumimoji="0" sz="2400" b="1" i="0" u="none" strike="noStrike" cap="none" spc="0" normalizeH="0" baseline="0">
         <a:ln>
           <a:noFill/>
         </a:ln>
@@ -154,7 +155,7 @@
       <a:buFontTx/>
       <a:buNone/>
       <a:tabLst/>
-      <a:defRPr b="1" baseline="0" cap="none" i="0" spc="0" strike="noStrike" sz="2400" u="none" kumimoji="0" normalizeH="0">
+      <a:defRPr kumimoji="0" sz="2400" b="1" i="0" u="none" strike="noStrike" cap="none" spc="0" normalizeH="0" baseline="0">
         <a:ln>
           <a:noFill/>
         </a:ln>
@@ -184,7 +185,7 @@
       <a:buFontTx/>
       <a:buNone/>
       <a:tabLst/>
-      <a:defRPr b="1" baseline="0" cap="none" i="0" spc="0" strike="noStrike" sz="2400" u="none" kumimoji="0" normalizeH="0">
+      <a:defRPr kumimoji="0" sz="2400" b="1" i="0" u="none" strike="noStrike" cap="none" spc="0" normalizeH="0" baseline="0">
         <a:ln>
           <a:noFill/>
         </a:ln>
@@ -214,7 +215,7 @@
       <a:buFontTx/>
       <a:buNone/>
       <a:tabLst/>
-      <a:defRPr b="1" baseline="0" cap="none" i="0" spc="0" strike="noStrike" sz="2400" u="none" kumimoji="0" normalizeH="0">
+      <a:defRPr kumimoji="0" sz="2400" b="1" i="0" u="none" strike="noStrike" cap="none" spc="0" normalizeH="0" baseline="0">
         <a:ln>
           <a:noFill/>
         </a:ln>
@@ -244,7 +245,7 @@
       <a:buFontTx/>
       <a:buNone/>
       <a:tabLst/>
-      <a:defRPr b="1" baseline="0" cap="none" i="0" spc="0" strike="noStrike" sz="2400" u="none" kumimoji="0" normalizeH="0">
+      <a:defRPr kumimoji="0" sz="2400" b="1" i="0" u="none" strike="noStrike" cap="none" spc="0" normalizeH="0" baseline="0">
         <a:ln>
           <a:noFill/>
         </a:ln>
@@ -274,7 +275,7 @@
       <a:buFontTx/>
       <a:buNone/>
       <a:tabLst/>
-      <a:defRPr b="1" baseline="0" cap="none" i="0" spc="0" strike="noStrike" sz="2400" u="none" kumimoji="0" normalizeH="0">
+      <a:defRPr kumimoji="0" sz="2400" b="1" i="0" u="none" strike="noStrike" cap="none" spc="0" normalizeH="0" baseline="0">
         <a:ln>
           <a:noFill/>
         </a:ln>
@@ -304,7 +305,7 @@
       <a:buFontTx/>
       <a:buNone/>
       <a:tabLst/>
-      <a:defRPr b="1" baseline="0" cap="none" i="0" spc="0" strike="noStrike" sz="2400" u="none" kumimoji="0" normalizeH="0">
+      <a:defRPr kumimoji="0" sz="2400" b="1" i="0" u="none" strike="noStrike" cap="none" spc="0" normalizeH="0" baseline="0">
         <a:ln>
           <a:noFill/>
         </a:ln>
@@ -323,13 +324,14 @@
 </p:presentation>
 </file>
 
-<file path=ppt/commentAuthors.xml><?xml version="1.0" encoding="utf-8"?>
-<p:cmAuthorLst xmlns:a="http://schemas.openxmlformats.org/drawingml/2006/main" xmlns:r="http://schemas.openxmlformats.org/officeDocument/2006/relationships" xmlns:p="http://schemas.openxmlformats.org/presentationml/2006/main" xmlns:m="http://schemas.openxmlformats.org/officeDocument/2006/math" xmlns:a14="http://schemas.microsoft.com/office/drawing/2010/main"/>
-</file>
-
 <file path=ppt/notesMasters/notesMaster1.xml><?xml version="1.0" encoding="utf-8"?>
-<p:notesMaster xmlns:a="http://schemas.openxmlformats.org/drawingml/2006/main" xmlns:r="http://schemas.openxmlformats.org/officeDocument/2006/relationships" xmlns:p="http://schemas.openxmlformats.org/presentationml/2006/main" xmlns:m="http://schemas.openxmlformats.org/officeDocument/2006/math" xmlns:a14="http://schemas.microsoft.com/office/drawing/2010/main">
+<p:notesMaster xmlns:a="http://schemas.openxmlformats.org/drawingml/2006/main" xmlns:r="http://schemas.openxmlformats.org/officeDocument/2006/relationships" xmlns:p="http://schemas.openxmlformats.org/presentationml/2006/main">
   <p:cSld>
+    <p:bg>
+      <p:bgRef idx="1001">
+        <a:schemeClr val="bg1"/>
+      </p:bgRef>
+    </p:bg>
     <p:spTree>
       <p:nvGrpSpPr>
         <p:cNvPr id="1" name=""/>
@@ -347,7 +349,9 @@
       <p:sp>
         <p:nvSpPr>
           <p:cNvPr id="116" name="Shape 116"/>
-          <p:cNvSpPr/>
+          <p:cNvSpPr>
+            <a:spLocks noGrp="1" noRot="1" noChangeAspect="1"/>
+          </p:cNvSpPr>
           <p:nvPr>
             <p:ph type="sldImg"/>
           </p:nvPr>
@@ -365,14 +369,16 @@
           <a:bodyPr/>
           <a:lstStyle/>
           <a:p>
-            <a:pPr/>
+            <a:endParaRPr/>
           </a:p>
         </p:txBody>
       </p:sp>
       <p:sp>
         <p:nvSpPr>
           <p:cNvPr id="117" name="Shape 117"/>
-          <p:cNvSpPr/>
+          <p:cNvSpPr>
+            <a:spLocks noGrp="1"/>
+          </p:cNvSpPr>
           <p:nvPr>
             <p:ph type="body" sz="quarter" idx="1"/>
           </p:nvPr>
@@ -390,7 +396,7 @@
           <a:bodyPr/>
           <a:lstStyle/>
           <a:p>
-            <a:pPr/>
+            <a:endParaRPr/>
           </a:p>
         </p:txBody>
       </p:sp>
@@ -502,7 +508,7 @@
 </file>
 
 <file path=ppt/slideLayouts/slideLayout1.xml><?xml version="1.0" encoding="utf-8"?>
-<p:sldLayout xmlns:a="http://schemas.openxmlformats.org/drawingml/2006/main" xmlns:r="http://schemas.openxmlformats.org/officeDocument/2006/relationships" xmlns:p="http://schemas.openxmlformats.org/presentationml/2006/main" xmlns:m="http://schemas.openxmlformats.org/officeDocument/2006/math" xmlns:a14="http://schemas.microsoft.com/office/drawing/2010/main" type="title" showMasterSp="1" showMasterPhAnim="1">
+<p:sldLayout xmlns:a="http://schemas.openxmlformats.org/drawingml/2006/main" xmlns:r="http://schemas.openxmlformats.org/officeDocument/2006/relationships" xmlns:p="http://schemas.openxmlformats.org/presentationml/2006/main" type="title">
   <p:cSld name="Title &amp; Subtitle">
     <p:spTree>
       <p:nvGrpSpPr>
@@ -521,7 +527,9 @@
       <p:sp>
         <p:nvSpPr>
           <p:cNvPr id="11" name="Title Text"/>
-          <p:cNvSpPr txBox="1"/>
+          <p:cNvSpPr txBox="1">
+            <a:spLocks noGrp="1"/>
+          </p:cNvSpPr>
           <p:nvPr>
             <p:ph type="title"/>
           </p:nvPr>
@@ -539,7 +547,6 @@
           <a:bodyPr anchor="b"/>
           <a:lstStyle/>
           <a:p>
-            <a:pPr/>
             <a:r>
               <a:t>Title Text</a:t>
             </a:r>
@@ -549,7 +556,9 @@
       <p:sp>
         <p:nvSpPr>
           <p:cNvPr id="12" name="Body Level One…"/>
-          <p:cNvSpPr txBox="1"/>
+          <p:cNvSpPr txBox="1">
+            <a:spLocks noGrp="1"/>
+          </p:cNvSpPr>
           <p:nvPr>
             <p:ph type="body" sz="quarter" idx="1"/>
           </p:nvPr>
@@ -613,7 +622,6 @@
             </a:lvl5pPr>
           </a:lstStyle>
           <a:p>
-            <a:pPr/>
             <a:r>
               <a:t>Body Level One</a:t>
             </a:r>
@@ -647,7 +655,9 @@
       <p:sp>
         <p:nvSpPr>
           <p:cNvPr id="13" name="Slide Number"/>
-          <p:cNvSpPr txBox="1"/>
+          <p:cNvSpPr txBox="1">
+            <a:spLocks noGrp="1"/>
+          </p:cNvSpPr>
           <p:nvPr>
             <p:ph type="sldNum" sz="quarter" idx="2"/>
           </p:nvPr>
@@ -661,8 +671,10 @@
           <a:bodyPr/>
           <a:lstStyle/>
           <a:p>
-            <a:pPr/>
-            <a:fld id="{86CB4B4D-7CA3-9044-876B-883B54F8677D}" type="slidenum"/>
+            <a:fld id="{86CB4B4D-7CA3-9044-876B-883B54F8677D}" type="slidenum">
+              <a:t>‹#›</a:t>
+            </a:fld>
+            <a:endParaRPr/>
           </a:p>
         </p:txBody>
       </p:sp>
@@ -671,12 +683,12 @@
   <p:clrMapOvr>
     <a:masterClrMapping/>
   </p:clrMapOvr>
-  <p:transition xmlns:p14="http://schemas.microsoft.com/office/powerpoint/2010/main" spd="med" advClick="1"/>
+  <p:transition spd="med"/>
 </p:sldLayout>
 </file>
 
 <file path=ppt/slideLayouts/slideLayout10.xml><?xml version="1.0" encoding="utf-8"?>
-<p:sldLayout xmlns:a="http://schemas.openxmlformats.org/drawingml/2006/main" xmlns:r="http://schemas.openxmlformats.org/officeDocument/2006/relationships" xmlns:p="http://schemas.openxmlformats.org/presentationml/2006/main" xmlns:m="http://schemas.openxmlformats.org/officeDocument/2006/math" xmlns:a14="http://schemas.microsoft.com/office/drawing/2010/main" type="tx" showMasterSp="1" showMasterPhAnim="1">
+<p:sldLayout xmlns:a="http://schemas.openxmlformats.org/drawingml/2006/main" xmlns:r="http://schemas.openxmlformats.org/officeDocument/2006/relationships" xmlns:p="http://schemas.openxmlformats.org/presentationml/2006/main" type="tx">
   <p:cSld name="Quote">
     <p:spTree>
       <p:nvGrpSpPr>
@@ -695,7 +707,9 @@
       <p:sp>
         <p:nvSpPr>
           <p:cNvPr id="93" name="–Johnny Appleseed"/>
-          <p:cNvSpPr txBox="1"/>
+          <p:cNvSpPr txBox="1">
+            <a:spLocks noGrp="1"/>
+          </p:cNvSpPr>
           <p:nvPr>
             <p:ph type="body" sz="quarter" idx="13"/>
           </p:nvPr>
@@ -721,11 +735,10 @@
               <a:buClrTx/>
               <a:buSzTx/>
               <a:buNone/>
-              <a:defRPr i="1" sz="2400"/>
+              <a:defRPr sz="2400" i="1"/>
             </a:lvl1pPr>
           </a:lstStyle>
           <a:p>
-            <a:pPr/>
             <a:r>
               <a:t>–Johnny Appleseed</a:t>
             </a:r>
@@ -735,7 +748,9 @@
       <p:sp>
         <p:nvSpPr>
           <p:cNvPr id="94" name="“Type a quote here.”"/>
-          <p:cNvSpPr txBox="1"/>
+          <p:cNvSpPr txBox="1">
+            <a:spLocks noGrp="1"/>
+          </p:cNvSpPr>
           <p:nvPr>
             <p:ph type="body" sz="quarter" idx="14"/>
           </p:nvPr>
@@ -770,7 +785,6 @@
             </a:lvl1pPr>
           </a:lstStyle>
           <a:p>
-            <a:pPr/>
             <a:r>
               <a:t>“Type a quote here.” </a:t>
             </a:r>
@@ -780,7 +794,9 @@
       <p:sp>
         <p:nvSpPr>
           <p:cNvPr id="95" name="Slide Number"/>
-          <p:cNvSpPr txBox="1"/>
+          <p:cNvSpPr txBox="1">
+            <a:spLocks noGrp="1"/>
+          </p:cNvSpPr>
           <p:nvPr>
             <p:ph type="sldNum" sz="quarter" idx="2"/>
           </p:nvPr>
@@ -794,8 +810,10 @@
           <a:bodyPr/>
           <a:lstStyle/>
           <a:p>
-            <a:pPr/>
-            <a:fld id="{86CB4B4D-7CA3-9044-876B-883B54F8677D}" type="slidenum"/>
+            <a:fld id="{86CB4B4D-7CA3-9044-876B-883B54F8677D}" type="slidenum">
+              <a:t>‹#›</a:t>
+            </a:fld>
+            <a:endParaRPr/>
           </a:p>
         </p:txBody>
       </p:sp>
@@ -804,12 +822,12 @@
   <p:clrMapOvr>
     <a:masterClrMapping/>
   </p:clrMapOvr>
-  <p:transition xmlns:p14="http://schemas.microsoft.com/office/powerpoint/2010/main" spd="med" advClick="1"/>
+  <p:transition spd="med"/>
 </p:sldLayout>
 </file>
 
 <file path=ppt/slideLayouts/slideLayout11.xml><?xml version="1.0" encoding="utf-8"?>
-<p:sldLayout xmlns:a="http://schemas.openxmlformats.org/drawingml/2006/main" xmlns:r="http://schemas.openxmlformats.org/officeDocument/2006/relationships" xmlns:p="http://schemas.openxmlformats.org/presentationml/2006/main" xmlns:m="http://schemas.openxmlformats.org/officeDocument/2006/math" xmlns:a14="http://schemas.microsoft.com/office/drawing/2010/main" type="tx" showMasterSp="1" showMasterPhAnim="1">
+<p:sldLayout xmlns:a="http://schemas.openxmlformats.org/drawingml/2006/main" xmlns:r="http://schemas.openxmlformats.org/officeDocument/2006/relationships" xmlns:p="http://schemas.openxmlformats.org/presentationml/2006/main" type="tx">
   <p:cSld name="Photo">
     <p:spTree>
       <p:nvGrpSpPr>
@@ -828,7 +846,9 @@
       <p:sp>
         <p:nvSpPr>
           <p:cNvPr id="102" name="Image"/>
-          <p:cNvSpPr/>
+          <p:cNvSpPr>
+            <a:spLocks noGrp="1"/>
+          </p:cNvSpPr>
           <p:nvPr>
             <p:ph type="pic" idx="13"/>
           </p:nvPr>
@@ -848,14 +868,16 @@
           </a:bodyPr>
           <a:lstStyle/>
           <a:p>
-            <a:pPr/>
+            <a:endParaRPr/>
           </a:p>
         </p:txBody>
       </p:sp>
       <p:sp>
         <p:nvSpPr>
           <p:cNvPr id="103" name="Slide Number"/>
-          <p:cNvSpPr txBox="1"/>
+          <p:cNvSpPr txBox="1">
+            <a:spLocks noGrp="1"/>
+          </p:cNvSpPr>
           <p:nvPr>
             <p:ph type="sldNum" sz="quarter" idx="2"/>
           </p:nvPr>
@@ -869,8 +891,10 @@
           <a:bodyPr/>
           <a:lstStyle/>
           <a:p>
-            <a:pPr/>
-            <a:fld id="{86CB4B4D-7CA3-9044-876B-883B54F8677D}" type="slidenum"/>
+            <a:fld id="{86CB4B4D-7CA3-9044-876B-883B54F8677D}" type="slidenum">
+              <a:t>‹#›</a:t>
+            </a:fld>
+            <a:endParaRPr/>
           </a:p>
         </p:txBody>
       </p:sp>
@@ -879,12 +903,12 @@
   <p:clrMapOvr>
     <a:masterClrMapping/>
   </p:clrMapOvr>
-  <p:transition xmlns:p14="http://schemas.microsoft.com/office/powerpoint/2010/main" spd="med" advClick="1"/>
+  <p:transition spd="med"/>
 </p:sldLayout>
 </file>
 
 <file path=ppt/slideLayouts/slideLayout12.xml><?xml version="1.0" encoding="utf-8"?>
-<p:sldLayout xmlns:a="http://schemas.openxmlformats.org/drawingml/2006/main" xmlns:r="http://schemas.openxmlformats.org/officeDocument/2006/relationships" xmlns:p="http://schemas.openxmlformats.org/presentationml/2006/main" xmlns:m="http://schemas.openxmlformats.org/officeDocument/2006/math" xmlns:a14="http://schemas.microsoft.com/office/drawing/2010/main" type="tx" showMasterSp="1" showMasterPhAnim="1">
+<p:sldLayout xmlns:a="http://schemas.openxmlformats.org/drawingml/2006/main" xmlns:r="http://schemas.openxmlformats.org/officeDocument/2006/relationships" xmlns:p="http://schemas.openxmlformats.org/presentationml/2006/main" type="tx">
   <p:cSld name="Blank">
     <p:spTree>
       <p:nvGrpSpPr>
@@ -903,7 +927,9 @@
       <p:sp>
         <p:nvSpPr>
           <p:cNvPr id="110" name="Slide Number"/>
-          <p:cNvSpPr txBox="1"/>
+          <p:cNvSpPr txBox="1">
+            <a:spLocks noGrp="1"/>
+          </p:cNvSpPr>
           <p:nvPr>
             <p:ph type="sldNum" sz="quarter" idx="2"/>
           </p:nvPr>
@@ -917,8 +943,10 @@
           <a:bodyPr/>
           <a:lstStyle/>
           <a:p>
-            <a:pPr/>
-            <a:fld id="{86CB4B4D-7CA3-9044-876B-883B54F8677D}" type="slidenum"/>
+            <a:fld id="{86CB4B4D-7CA3-9044-876B-883B54F8677D}" type="slidenum">
+              <a:t>‹#›</a:t>
+            </a:fld>
+            <a:endParaRPr/>
           </a:p>
         </p:txBody>
       </p:sp>
@@ -927,12 +955,12 @@
   <p:clrMapOvr>
     <a:masterClrMapping/>
   </p:clrMapOvr>
-  <p:transition xmlns:p14="http://schemas.microsoft.com/office/powerpoint/2010/main" spd="med" advClick="1"/>
+  <p:transition spd="med"/>
 </p:sldLayout>
 </file>
 
 <file path=ppt/slideLayouts/slideLayout2.xml><?xml version="1.0" encoding="utf-8"?>
-<p:sldLayout xmlns:a="http://schemas.openxmlformats.org/drawingml/2006/main" xmlns:r="http://schemas.openxmlformats.org/officeDocument/2006/relationships" xmlns:p="http://schemas.openxmlformats.org/presentationml/2006/main" xmlns:m="http://schemas.openxmlformats.org/officeDocument/2006/math" xmlns:a14="http://schemas.microsoft.com/office/drawing/2010/main" type="tx" showMasterSp="1" showMasterPhAnim="1">
+<p:sldLayout xmlns:a="http://schemas.openxmlformats.org/drawingml/2006/main" xmlns:r="http://schemas.openxmlformats.org/officeDocument/2006/relationships" xmlns:p="http://schemas.openxmlformats.org/presentationml/2006/main" type="tx">
   <p:cSld name="Photo - Horizontal">
     <p:spTree>
       <p:nvGrpSpPr>
@@ -951,7 +979,9 @@
       <p:sp>
         <p:nvSpPr>
           <p:cNvPr id="20" name="Image"/>
-          <p:cNvSpPr/>
+          <p:cNvSpPr>
+            <a:spLocks noGrp="1"/>
+          </p:cNvSpPr>
           <p:nvPr>
             <p:ph type="pic" idx="13"/>
           </p:nvPr>
@@ -971,14 +1001,16 @@
           </a:bodyPr>
           <a:lstStyle/>
           <a:p>
-            <a:pPr/>
+            <a:endParaRPr/>
           </a:p>
         </p:txBody>
       </p:sp>
       <p:sp>
         <p:nvSpPr>
           <p:cNvPr id="21" name="Title Text"/>
-          <p:cNvSpPr txBox="1"/>
+          <p:cNvSpPr txBox="1">
+            <a:spLocks noGrp="1"/>
+          </p:cNvSpPr>
           <p:nvPr>
             <p:ph type="title"/>
           </p:nvPr>
@@ -996,7 +1028,6 @@
           <a:bodyPr/>
           <a:lstStyle/>
           <a:p>
-            <a:pPr/>
             <a:r>
               <a:t>Title Text</a:t>
             </a:r>
@@ -1006,7 +1037,9 @@
       <p:sp>
         <p:nvSpPr>
           <p:cNvPr id="22" name="Body Level One…"/>
-          <p:cNvSpPr txBox="1"/>
+          <p:cNvSpPr txBox="1">
+            <a:spLocks noGrp="1"/>
+          </p:cNvSpPr>
           <p:nvPr>
             <p:ph type="body" sz="quarter" idx="1"/>
           </p:nvPr>
@@ -1070,7 +1103,6 @@
             </a:lvl5pPr>
           </a:lstStyle>
           <a:p>
-            <a:pPr/>
             <a:r>
               <a:t>Body Level One</a:t>
             </a:r>
@@ -1104,7 +1136,9 @@
       <p:sp>
         <p:nvSpPr>
           <p:cNvPr id="23" name="Slide Number"/>
-          <p:cNvSpPr txBox="1"/>
+          <p:cNvSpPr txBox="1">
+            <a:spLocks noGrp="1"/>
+          </p:cNvSpPr>
           <p:nvPr>
             <p:ph type="sldNum" sz="quarter" idx="2"/>
           </p:nvPr>
@@ -1118,8 +1152,10 @@
           <a:bodyPr/>
           <a:lstStyle/>
           <a:p>
-            <a:pPr/>
-            <a:fld id="{86CB4B4D-7CA3-9044-876B-883B54F8677D}" type="slidenum"/>
+            <a:fld id="{86CB4B4D-7CA3-9044-876B-883B54F8677D}" type="slidenum">
+              <a:t>‹#›</a:t>
+            </a:fld>
+            <a:endParaRPr/>
           </a:p>
         </p:txBody>
       </p:sp>
@@ -1128,12 +1164,12 @@
   <p:clrMapOvr>
     <a:masterClrMapping/>
   </p:clrMapOvr>
-  <p:transition xmlns:p14="http://schemas.microsoft.com/office/powerpoint/2010/main" spd="med" advClick="1"/>
+  <p:transition spd="med"/>
 </p:sldLayout>
 </file>
 
 <file path=ppt/slideLayouts/slideLayout3.xml><?xml version="1.0" encoding="utf-8"?>
-<p:sldLayout xmlns:a="http://schemas.openxmlformats.org/drawingml/2006/main" xmlns:r="http://schemas.openxmlformats.org/officeDocument/2006/relationships" xmlns:p="http://schemas.openxmlformats.org/presentationml/2006/main" xmlns:m="http://schemas.openxmlformats.org/officeDocument/2006/math" xmlns:a14="http://schemas.microsoft.com/office/drawing/2010/main" type="tx" showMasterSp="1" showMasterPhAnim="1">
+<p:sldLayout xmlns:a="http://schemas.openxmlformats.org/drawingml/2006/main" xmlns:r="http://schemas.openxmlformats.org/officeDocument/2006/relationships" xmlns:p="http://schemas.openxmlformats.org/presentationml/2006/main" type="tx">
   <p:cSld name="Title - Center">
     <p:spTree>
       <p:nvGrpSpPr>
@@ -1152,7 +1188,9 @@
       <p:sp>
         <p:nvSpPr>
           <p:cNvPr id="30" name="Title Text"/>
-          <p:cNvSpPr txBox="1"/>
+          <p:cNvSpPr txBox="1">
+            <a:spLocks noGrp="1"/>
+          </p:cNvSpPr>
           <p:nvPr>
             <p:ph type="title"/>
           </p:nvPr>
@@ -1170,7 +1208,6 @@
           <a:bodyPr/>
           <a:lstStyle/>
           <a:p>
-            <a:pPr/>
             <a:r>
               <a:t>Title Text</a:t>
             </a:r>
@@ -1180,7 +1217,9 @@
       <p:sp>
         <p:nvSpPr>
           <p:cNvPr id="31" name="Slide Number"/>
-          <p:cNvSpPr txBox="1"/>
+          <p:cNvSpPr txBox="1">
+            <a:spLocks noGrp="1"/>
+          </p:cNvSpPr>
           <p:nvPr>
             <p:ph type="sldNum" sz="quarter" idx="2"/>
           </p:nvPr>
@@ -1194,8 +1233,10 @@
           <a:bodyPr/>
           <a:lstStyle/>
           <a:p>
-            <a:pPr/>
-            <a:fld id="{86CB4B4D-7CA3-9044-876B-883B54F8677D}" type="slidenum"/>
+            <a:fld id="{86CB4B4D-7CA3-9044-876B-883B54F8677D}" type="slidenum">
+              <a:t>‹#›</a:t>
+            </a:fld>
+            <a:endParaRPr/>
           </a:p>
         </p:txBody>
       </p:sp>
@@ -1204,12 +1245,12 @@
   <p:clrMapOvr>
     <a:masterClrMapping/>
   </p:clrMapOvr>
-  <p:transition xmlns:p14="http://schemas.microsoft.com/office/powerpoint/2010/main" spd="med" advClick="1"/>
+  <p:transition spd="med"/>
 </p:sldLayout>
 </file>
 
 <file path=ppt/slideLayouts/slideLayout4.xml><?xml version="1.0" encoding="utf-8"?>
-<p:sldLayout xmlns:a="http://schemas.openxmlformats.org/drawingml/2006/main" xmlns:r="http://schemas.openxmlformats.org/officeDocument/2006/relationships" xmlns:p="http://schemas.openxmlformats.org/presentationml/2006/main" xmlns:m="http://schemas.openxmlformats.org/officeDocument/2006/math" xmlns:a14="http://schemas.microsoft.com/office/drawing/2010/main" type="tx" showMasterSp="1" showMasterPhAnim="1">
+<p:sldLayout xmlns:a="http://schemas.openxmlformats.org/drawingml/2006/main" xmlns:r="http://schemas.openxmlformats.org/officeDocument/2006/relationships" xmlns:p="http://schemas.openxmlformats.org/presentationml/2006/main" type="tx">
   <p:cSld name="Photo - Vertical">
     <p:spTree>
       <p:nvGrpSpPr>
@@ -1228,7 +1269,9 @@
       <p:sp>
         <p:nvSpPr>
           <p:cNvPr id="38" name="Image"/>
-          <p:cNvSpPr/>
+          <p:cNvSpPr>
+            <a:spLocks noGrp="1"/>
+          </p:cNvSpPr>
           <p:nvPr>
             <p:ph type="pic" idx="13"/>
           </p:nvPr>
@@ -1248,14 +1291,16 @@
           </a:bodyPr>
           <a:lstStyle/>
           <a:p>
-            <a:pPr/>
+            <a:endParaRPr/>
           </a:p>
         </p:txBody>
       </p:sp>
       <p:sp>
         <p:nvSpPr>
           <p:cNvPr id="39" name="Title Text"/>
-          <p:cNvSpPr txBox="1"/>
+          <p:cNvSpPr txBox="1">
+            <a:spLocks noGrp="1"/>
+          </p:cNvSpPr>
           <p:nvPr>
             <p:ph type="title"/>
           </p:nvPr>
@@ -1277,7 +1322,6 @@
             </a:lvl1pPr>
           </a:lstStyle>
           <a:p>
-            <a:pPr/>
             <a:r>
               <a:t>Title Text</a:t>
             </a:r>
@@ -1287,7 +1331,9 @@
       <p:sp>
         <p:nvSpPr>
           <p:cNvPr id="40" name="Body Level One…"/>
-          <p:cNvSpPr txBox="1"/>
+          <p:cNvSpPr txBox="1">
+            <a:spLocks noGrp="1"/>
+          </p:cNvSpPr>
           <p:nvPr>
             <p:ph type="body" sz="quarter" idx="1"/>
           </p:nvPr>
@@ -1351,7 +1397,6 @@
             </a:lvl5pPr>
           </a:lstStyle>
           <a:p>
-            <a:pPr/>
             <a:r>
               <a:t>Body Level One</a:t>
             </a:r>
@@ -1385,7 +1430,9 @@
       <p:sp>
         <p:nvSpPr>
           <p:cNvPr id="41" name="Slide Number"/>
-          <p:cNvSpPr txBox="1"/>
+          <p:cNvSpPr txBox="1">
+            <a:spLocks noGrp="1"/>
+          </p:cNvSpPr>
           <p:nvPr>
             <p:ph type="sldNum" sz="quarter" idx="2"/>
           </p:nvPr>
@@ -1399,8 +1446,10 @@
           <a:bodyPr/>
           <a:lstStyle/>
           <a:p>
-            <a:pPr/>
-            <a:fld id="{86CB4B4D-7CA3-9044-876B-883B54F8677D}" type="slidenum"/>
+            <a:fld id="{86CB4B4D-7CA3-9044-876B-883B54F8677D}" type="slidenum">
+              <a:t>‹#›</a:t>
+            </a:fld>
+            <a:endParaRPr/>
           </a:p>
         </p:txBody>
       </p:sp>
@@ -1409,12 +1458,12 @@
   <p:clrMapOvr>
     <a:masterClrMapping/>
   </p:clrMapOvr>
-  <p:transition xmlns:p14="http://schemas.microsoft.com/office/powerpoint/2010/main" spd="med" advClick="1"/>
+  <p:transition spd="med"/>
 </p:sldLayout>
 </file>
 
 <file path=ppt/slideLayouts/slideLayout5.xml><?xml version="1.0" encoding="utf-8"?>
-<p:sldLayout xmlns:a="http://schemas.openxmlformats.org/drawingml/2006/main" xmlns:r="http://schemas.openxmlformats.org/officeDocument/2006/relationships" xmlns:p="http://schemas.openxmlformats.org/presentationml/2006/main" xmlns:m="http://schemas.openxmlformats.org/officeDocument/2006/math" xmlns:a14="http://schemas.microsoft.com/office/drawing/2010/main" type="tx" showMasterSp="1" showMasterPhAnim="1">
+<p:sldLayout xmlns:a="http://schemas.openxmlformats.org/drawingml/2006/main" xmlns:r="http://schemas.openxmlformats.org/officeDocument/2006/relationships" xmlns:p="http://schemas.openxmlformats.org/presentationml/2006/main" type="tx">
   <p:cSld name="Title - Top">
     <p:spTree>
       <p:nvGrpSpPr>
@@ -1433,7 +1482,9 @@
       <p:sp>
         <p:nvSpPr>
           <p:cNvPr id="48" name="Title Text"/>
-          <p:cNvSpPr txBox="1"/>
+          <p:cNvSpPr txBox="1">
+            <a:spLocks noGrp="1"/>
+          </p:cNvSpPr>
           <p:nvPr>
             <p:ph type="title"/>
           </p:nvPr>
@@ -1447,7 +1498,6 @@
           <a:bodyPr/>
           <a:lstStyle/>
           <a:p>
-            <a:pPr/>
             <a:r>
               <a:t>Title Text</a:t>
             </a:r>
@@ -1457,7 +1507,9 @@
       <p:sp>
         <p:nvSpPr>
           <p:cNvPr id="49" name="Slide Number"/>
-          <p:cNvSpPr txBox="1"/>
+          <p:cNvSpPr txBox="1">
+            <a:spLocks noGrp="1"/>
+          </p:cNvSpPr>
           <p:nvPr>
             <p:ph type="sldNum" sz="quarter" idx="2"/>
           </p:nvPr>
@@ -1471,8 +1523,10 @@
           <a:bodyPr/>
           <a:lstStyle/>
           <a:p>
-            <a:pPr/>
-            <a:fld id="{86CB4B4D-7CA3-9044-876B-883B54F8677D}" type="slidenum"/>
+            <a:fld id="{86CB4B4D-7CA3-9044-876B-883B54F8677D}" type="slidenum">
+              <a:t>‹#›</a:t>
+            </a:fld>
+            <a:endParaRPr/>
           </a:p>
         </p:txBody>
       </p:sp>
@@ -1481,12 +1535,12 @@
   <p:clrMapOvr>
     <a:masterClrMapping/>
   </p:clrMapOvr>
-  <p:transition xmlns:p14="http://schemas.microsoft.com/office/powerpoint/2010/main" spd="med" advClick="1"/>
+  <p:transition spd="med"/>
 </p:sldLayout>
 </file>
 
 <file path=ppt/slideLayouts/slideLayout6.xml><?xml version="1.0" encoding="utf-8"?>
-<p:sldLayout xmlns:a="http://schemas.openxmlformats.org/drawingml/2006/main" xmlns:r="http://schemas.openxmlformats.org/officeDocument/2006/relationships" xmlns:p="http://schemas.openxmlformats.org/presentationml/2006/main" xmlns:m="http://schemas.openxmlformats.org/officeDocument/2006/math" xmlns:a14="http://schemas.microsoft.com/office/drawing/2010/main" type="tx" showMasterSp="1" showMasterPhAnim="1">
+<p:sldLayout xmlns:a="http://schemas.openxmlformats.org/drawingml/2006/main" xmlns:r="http://schemas.openxmlformats.org/officeDocument/2006/relationships" xmlns:p="http://schemas.openxmlformats.org/presentationml/2006/main" type="tx">
   <p:cSld name="Title &amp; Bullets">
     <p:spTree>
       <p:nvGrpSpPr>
@@ -1505,7 +1559,9 @@
       <p:sp>
         <p:nvSpPr>
           <p:cNvPr id="56" name="Title Text"/>
-          <p:cNvSpPr txBox="1"/>
+          <p:cNvSpPr txBox="1">
+            <a:spLocks noGrp="1"/>
+          </p:cNvSpPr>
           <p:nvPr>
             <p:ph type="title"/>
           </p:nvPr>
@@ -1519,7 +1575,6 @@
           <a:bodyPr/>
           <a:lstStyle/>
           <a:p>
-            <a:pPr/>
             <a:r>
               <a:t>Title Text</a:t>
             </a:r>
@@ -1529,7 +1584,9 @@
       <p:sp>
         <p:nvSpPr>
           <p:cNvPr id="57" name="Body Level One…"/>
-          <p:cNvSpPr txBox="1"/>
+          <p:cNvSpPr txBox="1">
+            <a:spLocks noGrp="1"/>
+          </p:cNvSpPr>
           <p:nvPr>
             <p:ph type="body" idx="1"/>
           </p:nvPr>
@@ -1559,7 +1616,6 @@
             </a:lvl5pPr>
           </a:lstStyle>
           <a:p>
-            <a:pPr/>
             <a:r>
               <a:t>Body Level One</a:t>
             </a:r>
@@ -1593,7 +1649,9 @@
       <p:sp>
         <p:nvSpPr>
           <p:cNvPr id="58" name="Slide Number"/>
-          <p:cNvSpPr txBox="1"/>
+          <p:cNvSpPr txBox="1">
+            <a:spLocks noGrp="1"/>
+          </p:cNvSpPr>
           <p:nvPr>
             <p:ph type="sldNum" sz="quarter" idx="2"/>
           </p:nvPr>
@@ -1607,8 +1665,10 @@
           <a:bodyPr/>
           <a:lstStyle/>
           <a:p>
-            <a:pPr/>
-            <a:fld id="{86CB4B4D-7CA3-9044-876B-883B54F8677D}" type="slidenum"/>
+            <a:fld id="{86CB4B4D-7CA3-9044-876B-883B54F8677D}" type="slidenum">
+              <a:t>‹#›</a:t>
+            </a:fld>
+            <a:endParaRPr/>
           </a:p>
         </p:txBody>
       </p:sp>
@@ -1617,12 +1677,12 @@
   <p:clrMapOvr>
     <a:masterClrMapping/>
   </p:clrMapOvr>
-  <p:transition xmlns:p14="http://schemas.microsoft.com/office/powerpoint/2010/main" spd="med" advClick="1"/>
+  <p:transition spd="med"/>
 </p:sldLayout>
 </file>
 
 <file path=ppt/slideLayouts/slideLayout7.xml><?xml version="1.0" encoding="utf-8"?>
-<p:sldLayout xmlns:a="http://schemas.openxmlformats.org/drawingml/2006/main" xmlns:r="http://schemas.openxmlformats.org/officeDocument/2006/relationships" xmlns:p="http://schemas.openxmlformats.org/presentationml/2006/main" xmlns:m="http://schemas.openxmlformats.org/officeDocument/2006/math" xmlns:a14="http://schemas.microsoft.com/office/drawing/2010/main" type="tx" showMasterSp="1" showMasterPhAnim="1">
+<p:sldLayout xmlns:a="http://schemas.openxmlformats.org/drawingml/2006/main" xmlns:r="http://schemas.openxmlformats.org/officeDocument/2006/relationships" xmlns:p="http://schemas.openxmlformats.org/presentationml/2006/main" type="tx">
   <p:cSld name="Title, Bullets &amp; Photo">
     <p:spTree>
       <p:nvGrpSpPr>
@@ -1641,7 +1701,9 @@
       <p:sp>
         <p:nvSpPr>
           <p:cNvPr id="65" name="Image"/>
-          <p:cNvSpPr/>
+          <p:cNvSpPr>
+            <a:spLocks noGrp="1"/>
+          </p:cNvSpPr>
           <p:nvPr>
             <p:ph type="pic" idx="13"/>
           </p:nvPr>
@@ -1661,14 +1723,16 @@
           </a:bodyPr>
           <a:lstStyle/>
           <a:p>
-            <a:pPr/>
+            <a:endParaRPr/>
           </a:p>
         </p:txBody>
       </p:sp>
       <p:sp>
         <p:nvSpPr>
           <p:cNvPr id="66" name="Title Text"/>
-          <p:cNvSpPr txBox="1"/>
+          <p:cNvSpPr txBox="1">
+            <a:spLocks noGrp="1"/>
+          </p:cNvSpPr>
           <p:nvPr>
             <p:ph type="title"/>
           </p:nvPr>
@@ -1682,7 +1746,6 @@
           <a:bodyPr/>
           <a:lstStyle/>
           <a:p>
-            <a:pPr/>
             <a:r>
               <a:t>Title Text</a:t>
             </a:r>
@@ -1692,7 +1755,9 @@
       <p:sp>
         <p:nvSpPr>
           <p:cNvPr id="67" name="Body Level One…"/>
-          <p:cNvSpPr txBox="1"/>
+          <p:cNvSpPr txBox="1">
+            <a:spLocks noGrp="1"/>
+          </p:cNvSpPr>
           <p:nvPr>
             <p:ph type="body" sz="half" idx="1"/>
           </p:nvPr>
@@ -1746,7 +1811,6 @@
             </a:lvl5pPr>
           </a:lstStyle>
           <a:p>
-            <a:pPr/>
             <a:r>
               <a:t>Body Level One</a:t>
             </a:r>
@@ -1780,7 +1844,9 @@
       <p:sp>
         <p:nvSpPr>
           <p:cNvPr id="68" name="Slide Number"/>
-          <p:cNvSpPr txBox="1"/>
+          <p:cNvSpPr txBox="1">
+            <a:spLocks noGrp="1"/>
+          </p:cNvSpPr>
           <p:nvPr>
             <p:ph type="sldNum" sz="quarter" idx="2"/>
           </p:nvPr>
@@ -1794,8 +1860,10 @@
           <a:bodyPr/>
           <a:lstStyle/>
           <a:p>
-            <a:pPr/>
-            <a:fld id="{86CB4B4D-7CA3-9044-876B-883B54F8677D}" type="slidenum"/>
+            <a:fld id="{86CB4B4D-7CA3-9044-876B-883B54F8677D}" type="slidenum">
+              <a:t>‹#›</a:t>
+            </a:fld>
+            <a:endParaRPr/>
           </a:p>
         </p:txBody>
       </p:sp>
@@ -1804,12 +1872,12 @@
   <p:clrMapOvr>
     <a:masterClrMapping/>
   </p:clrMapOvr>
-  <p:transition xmlns:p14="http://schemas.microsoft.com/office/powerpoint/2010/main" spd="med" advClick="1"/>
+  <p:transition spd="med"/>
 </p:sldLayout>
 </file>
 
 <file path=ppt/slideLayouts/slideLayout8.xml><?xml version="1.0" encoding="utf-8"?>
-<p:sldLayout xmlns:a="http://schemas.openxmlformats.org/drawingml/2006/main" xmlns:r="http://schemas.openxmlformats.org/officeDocument/2006/relationships" xmlns:p="http://schemas.openxmlformats.org/presentationml/2006/main" xmlns:m="http://schemas.openxmlformats.org/officeDocument/2006/math" xmlns:a14="http://schemas.microsoft.com/office/drawing/2010/main" type="tx" showMasterSp="1" showMasterPhAnim="1">
+<p:sldLayout xmlns:a="http://schemas.openxmlformats.org/drawingml/2006/main" xmlns:r="http://schemas.openxmlformats.org/officeDocument/2006/relationships" xmlns:p="http://schemas.openxmlformats.org/presentationml/2006/main" type="tx">
   <p:cSld name="Bullets">
     <p:spTree>
       <p:nvGrpSpPr>
@@ -1828,7 +1896,9 @@
       <p:sp>
         <p:nvSpPr>
           <p:cNvPr id="75" name="Body Level One…"/>
-          <p:cNvSpPr txBox="1"/>
+          <p:cNvSpPr txBox="1">
+            <a:spLocks noGrp="1"/>
+          </p:cNvSpPr>
           <p:nvPr>
             <p:ph type="body" idx="1"/>
           </p:nvPr>
@@ -1862,7 +1932,6 @@
             </a:lvl5pPr>
           </a:lstStyle>
           <a:p>
-            <a:pPr/>
             <a:r>
               <a:t>Body Level One</a:t>
             </a:r>
@@ -1896,7 +1965,9 @@
       <p:sp>
         <p:nvSpPr>
           <p:cNvPr id="76" name="Slide Number"/>
-          <p:cNvSpPr txBox="1"/>
+          <p:cNvSpPr txBox="1">
+            <a:spLocks noGrp="1"/>
+          </p:cNvSpPr>
           <p:nvPr>
             <p:ph type="sldNum" sz="quarter" idx="2"/>
           </p:nvPr>
@@ -1910,8 +1981,10 @@
           <a:bodyPr/>
           <a:lstStyle/>
           <a:p>
-            <a:pPr/>
-            <a:fld id="{86CB4B4D-7CA3-9044-876B-883B54F8677D}" type="slidenum"/>
+            <a:fld id="{86CB4B4D-7CA3-9044-876B-883B54F8677D}" type="slidenum">
+              <a:t>‹#›</a:t>
+            </a:fld>
+            <a:endParaRPr/>
           </a:p>
         </p:txBody>
       </p:sp>
@@ -1920,12 +1993,12 @@
   <p:clrMapOvr>
     <a:masterClrMapping/>
   </p:clrMapOvr>
-  <p:transition xmlns:p14="http://schemas.microsoft.com/office/powerpoint/2010/main" spd="med" advClick="1"/>
+  <p:transition spd="med"/>
 </p:sldLayout>
 </file>
 
 <file path=ppt/slideLayouts/slideLayout9.xml><?xml version="1.0" encoding="utf-8"?>
-<p:sldLayout xmlns:a="http://schemas.openxmlformats.org/drawingml/2006/main" xmlns:r="http://schemas.openxmlformats.org/officeDocument/2006/relationships" xmlns:p="http://schemas.openxmlformats.org/presentationml/2006/main" xmlns:m="http://schemas.openxmlformats.org/officeDocument/2006/math" xmlns:a14="http://schemas.microsoft.com/office/drawing/2010/main" type="tx" showMasterSp="1" showMasterPhAnim="1">
+<p:sldLayout xmlns:a="http://schemas.openxmlformats.org/drawingml/2006/main" xmlns:r="http://schemas.openxmlformats.org/officeDocument/2006/relationships" xmlns:p="http://schemas.openxmlformats.org/presentationml/2006/main" type="tx">
   <p:cSld name="Photo - 3 Up">
     <p:spTree>
       <p:nvGrpSpPr>
@@ -1944,7 +2017,9 @@
       <p:sp>
         <p:nvSpPr>
           <p:cNvPr id="83" name="Image"/>
-          <p:cNvSpPr/>
+          <p:cNvSpPr>
+            <a:spLocks noGrp="1"/>
+          </p:cNvSpPr>
           <p:nvPr>
             <p:ph type="pic" sz="quarter" idx="13"/>
           </p:nvPr>
@@ -1964,14 +2039,16 @@
           </a:bodyPr>
           <a:lstStyle/>
           <a:p>
-            <a:pPr/>
+            <a:endParaRPr/>
           </a:p>
         </p:txBody>
       </p:sp>
       <p:sp>
         <p:nvSpPr>
           <p:cNvPr id="84" name="Image"/>
-          <p:cNvSpPr/>
+          <p:cNvSpPr>
+            <a:spLocks noGrp="1"/>
+          </p:cNvSpPr>
           <p:nvPr>
             <p:ph type="pic" sz="quarter" idx="14"/>
           </p:nvPr>
@@ -1991,14 +2068,16 @@
           </a:bodyPr>
           <a:lstStyle/>
           <a:p>
-            <a:pPr/>
+            <a:endParaRPr/>
           </a:p>
         </p:txBody>
       </p:sp>
       <p:sp>
         <p:nvSpPr>
           <p:cNvPr id="85" name="Image"/>
-          <p:cNvSpPr/>
+          <p:cNvSpPr>
+            <a:spLocks noGrp="1"/>
+          </p:cNvSpPr>
           <p:nvPr>
             <p:ph type="pic" idx="15"/>
           </p:nvPr>
@@ -2018,14 +2097,16 @@
           </a:bodyPr>
           <a:lstStyle/>
           <a:p>
-            <a:pPr/>
+            <a:endParaRPr/>
           </a:p>
         </p:txBody>
       </p:sp>
       <p:sp>
         <p:nvSpPr>
           <p:cNvPr id="86" name="Slide Number"/>
-          <p:cNvSpPr txBox="1"/>
+          <p:cNvSpPr txBox="1">
+            <a:spLocks noGrp="1"/>
+          </p:cNvSpPr>
           <p:nvPr>
             <p:ph type="sldNum" sz="quarter" idx="2"/>
           </p:nvPr>
@@ -2039,8 +2120,10 @@
           <a:bodyPr/>
           <a:lstStyle/>
           <a:p>
-            <a:pPr/>
-            <a:fld id="{86CB4B4D-7CA3-9044-876B-883B54F8677D}" type="slidenum"/>
+            <a:fld id="{86CB4B4D-7CA3-9044-876B-883B54F8677D}" type="slidenum">
+              <a:t>‹#›</a:t>
+            </a:fld>
+            <a:endParaRPr/>
           </a:p>
         </p:txBody>
       </p:sp>
@@ -2049,18 +2132,19 @@
   <p:clrMapOvr>
     <a:masterClrMapping/>
   </p:clrMapOvr>
-  <p:transition xmlns:p14="http://schemas.microsoft.com/office/powerpoint/2010/main" spd="med" advClick="1"/>
+  <p:transition spd="med"/>
 </p:sldLayout>
 </file>
 
 <file path=ppt/slideMasters/slideMaster1.xml><?xml version="1.0" encoding="utf-8"?>
-<p:sldMaster xmlns:a="http://schemas.openxmlformats.org/drawingml/2006/main" xmlns:r="http://schemas.openxmlformats.org/officeDocument/2006/relationships" xmlns:p="http://schemas.openxmlformats.org/presentationml/2006/main" xmlns:m="http://schemas.openxmlformats.org/officeDocument/2006/math" xmlns:a14="http://schemas.microsoft.com/office/drawing/2010/main">
+<p:sldMaster xmlns:a="http://schemas.openxmlformats.org/drawingml/2006/main" xmlns:r="http://schemas.openxmlformats.org/officeDocument/2006/relationships" xmlns:p="http://schemas.openxmlformats.org/presentationml/2006/main">
   <p:cSld>
     <p:bg>
       <p:bgPr>
         <a:solidFill>
           <a:srgbClr val="000000"/>
         </a:solidFill>
+        <a:effectLst/>
       </p:bgPr>
     </p:bg>
     <p:spTree>
@@ -2080,7 +2164,9 @@
       <p:sp>
         <p:nvSpPr>
           <p:cNvPr id="2" name="Title Text"/>
-          <p:cNvSpPr txBox="1"/>
+          <p:cNvSpPr txBox="1">
+            <a:spLocks noGrp="1"/>
+          </p:cNvSpPr>
           <p:nvPr>
             <p:ph type="title"/>
           </p:nvPr>
@@ -2098,17 +2184,16 @@
           </a:ln>
           <a:extLst>
             <a:ext uri="{C572A759-6A51-4108-AA02-DFA0A04FC94B}">
-              <ma14:wrappingTextBoxFlag xmlns:ma14="http://schemas.microsoft.com/office/mac/drawingml/2011/main" val="1"/>
+              <ma14:wrappingTextBoxFlag xmlns:ma14="http://schemas.microsoft.com/office/mac/drawingml/2011/main" xmlns:a14="http://schemas.microsoft.com/office/drawing/2010/main" xmlns:m="http://schemas.openxmlformats.org/officeDocument/2006/math" xmlns="" val="1"/>
             </a:ext>
           </a:extLst>
         </p:spPr>
         <p:txBody>
           <a:bodyPr lIns="50800" tIns="50800" rIns="50800" bIns="50800" anchor="ctr">
-            <a:normAutofit fontScale="100000" lnSpcReduction="0"/>
+            <a:normAutofit/>
           </a:bodyPr>
           <a:lstStyle/>
           <a:p>
-            <a:pPr/>
             <a:r>
               <a:t>Title Text</a:t>
             </a:r>
@@ -2118,7 +2203,9 @@
       <p:sp>
         <p:nvSpPr>
           <p:cNvPr id="3" name="Body Level One…"/>
-          <p:cNvSpPr txBox="1"/>
+          <p:cNvSpPr txBox="1">
+            <a:spLocks noGrp="1"/>
+          </p:cNvSpPr>
           <p:nvPr>
             <p:ph type="body" idx="1"/>
           </p:nvPr>
@@ -2136,17 +2223,16 @@
           </a:ln>
           <a:extLst>
             <a:ext uri="{C572A759-6A51-4108-AA02-DFA0A04FC94B}">
-              <ma14:wrappingTextBoxFlag xmlns:ma14="http://schemas.microsoft.com/office/mac/drawingml/2011/main" val="1"/>
+              <ma14:wrappingTextBoxFlag xmlns:ma14="http://schemas.microsoft.com/office/mac/drawingml/2011/main" xmlns:a14="http://schemas.microsoft.com/office/drawing/2010/main" xmlns:m="http://schemas.openxmlformats.org/officeDocument/2006/math" xmlns="" val="1"/>
             </a:ext>
           </a:extLst>
         </p:spPr>
         <p:txBody>
           <a:bodyPr lIns="50800" tIns="50800" rIns="50800" bIns="50800" anchor="ctr">
-            <a:normAutofit fontScale="100000" lnSpcReduction="0"/>
+            <a:normAutofit/>
           </a:bodyPr>
           <a:lstStyle/>
           <a:p>
-            <a:pPr/>
             <a:r>
               <a:t>Body Level One</a:t>
             </a:r>
@@ -2180,7 +2266,9 @@
       <p:sp>
         <p:nvSpPr>
           <p:cNvPr id="4" name="Slide Number"/>
-          <p:cNvSpPr txBox="1"/>
+          <p:cNvSpPr txBox="1">
+            <a:spLocks noGrp="1"/>
+          </p:cNvSpPr>
           <p:nvPr>
             <p:ph type="sldNum" sz="quarter" idx="2"/>
           </p:nvPr>
@@ -2203,7 +2291,7 @@
           </a:bodyPr>
           <a:lstStyle>
             <a:lvl1pPr>
-              <a:defRPr b="0" sz="1600">
+              <a:defRPr sz="1600" b="0">
                 <a:latin typeface="Helvetica Neue Light"/>
                 <a:ea typeface="Helvetica Neue Light"/>
                 <a:cs typeface="Helvetica Neue Light"/>
@@ -2212,8 +2300,10 @@
             </a:lvl1pPr>
           </a:lstStyle>
           <a:p>
-            <a:pPr/>
-            <a:fld id="{86CB4B4D-7CA3-9044-876B-883B54F8677D}" type="slidenum"/>
+            <a:fld id="{86CB4B4D-7CA3-9044-876B-883B54F8677D}" type="slidenum">
+              <a:t>‹#›</a:t>
+            </a:fld>
+            <a:endParaRPr/>
           </a:p>
         </p:txBody>
       </p:sp>
@@ -2221,20 +2311,20 @@
   </p:cSld>
   <p:clrMap bg1="dk1" tx1="lt1" bg2="dk2" tx2="lt2" accent1="accent1" accent2="accent2" accent3="accent3" accent4="accent4" accent5="accent5" accent6="accent6" hlink="hlink" folHlink="folHlink"/>
   <p:sldLayoutIdLst>
-    <p:sldLayoutId id="2147483649" r:id="rId2"/>
-    <p:sldLayoutId id="2147483650" r:id="rId3"/>
-    <p:sldLayoutId id="2147483651" r:id="rId4"/>
-    <p:sldLayoutId id="2147483652" r:id="rId5"/>
-    <p:sldLayoutId id="2147483653" r:id="rId6"/>
-    <p:sldLayoutId id="2147483654" r:id="rId7"/>
-    <p:sldLayoutId id="2147483655" r:id="rId8"/>
-    <p:sldLayoutId id="2147483656" r:id="rId9"/>
-    <p:sldLayoutId id="2147483657" r:id="rId10"/>
-    <p:sldLayoutId id="2147483658" r:id="rId11"/>
-    <p:sldLayoutId id="2147483659" r:id="rId12"/>
-    <p:sldLayoutId id="2147483660" r:id="rId13"/>
+    <p:sldLayoutId id="2147483649" r:id="rId1"/>
+    <p:sldLayoutId id="2147483650" r:id="rId2"/>
+    <p:sldLayoutId id="2147483651" r:id="rId3"/>
+    <p:sldLayoutId id="2147483652" r:id="rId4"/>
+    <p:sldLayoutId id="2147483653" r:id="rId5"/>
+    <p:sldLayoutId id="2147483654" r:id="rId6"/>
+    <p:sldLayoutId id="2147483655" r:id="rId7"/>
+    <p:sldLayoutId id="2147483656" r:id="rId8"/>
+    <p:sldLayoutId id="2147483657" r:id="rId9"/>
+    <p:sldLayoutId id="2147483658" r:id="rId10"/>
+    <p:sldLayoutId id="2147483659" r:id="rId11"/>
+    <p:sldLayoutId id="2147483660" r:id="rId12"/>
   </p:sldLayoutIdLst>
-  <p:transition xmlns:p14="http://schemas.microsoft.com/office/powerpoint/2010/main" spd="med" advClick="1"/>
+  <p:transition spd="med"/>
   <p:txStyles>
     <p:titleStyle>
       <a:lvl1pPr marL="0" marR="0" indent="0" algn="ctr" defTabSz="584200" rtl="0" latinLnBrk="0">
@@ -2252,7 +2342,7 @@
         <a:buFontTx/>
         <a:buNone/>
         <a:tabLst/>
-        <a:defRPr b="0" baseline="0" cap="none" i="0" spc="0" strike="noStrike" sz="8000" u="none">
+        <a:defRPr sz="8000" b="0" i="0" u="none" strike="noStrike" cap="none" spc="0" baseline="0">
           <a:solidFill>
             <a:srgbClr val="FFFFFF"/>
           </a:solidFill>
@@ -2278,7 +2368,7 @@
         <a:buFontTx/>
         <a:buNone/>
         <a:tabLst/>
-        <a:defRPr b="0" baseline="0" cap="none" i="0" spc="0" strike="noStrike" sz="8000" u="none">
+        <a:defRPr sz="8000" b="0" i="0" u="none" strike="noStrike" cap="none" spc="0" baseline="0">
           <a:solidFill>
             <a:srgbClr val="FFFFFF"/>
           </a:solidFill>
@@ -2304,7 +2394,7 @@
         <a:buFontTx/>
         <a:buNone/>
         <a:tabLst/>
-        <a:defRPr b="0" baseline="0" cap="none" i="0" spc="0" strike="noStrike" sz="8000" u="none">
+        <a:defRPr sz="8000" b="0" i="0" u="none" strike="noStrike" cap="none" spc="0" baseline="0">
           <a:solidFill>
             <a:srgbClr val="FFFFFF"/>
           </a:solidFill>
@@ -2330,7 +2420,7 @@
         <a:buFontTx/>
         <a:buNone/>
         <a:tabLst/>
-        <a:defRPr b="0" baseline="0" cap="none" i="0" spc="0" strike="noStrike" sz="8000" u="none">
+        <a:defRPr sz="8000" b="0" i="0" u="none" strike="noStrike" cap="none" spc="0" baseline="0">
           <a:solidFill>
             <a:srgbClr val="FFFFFF"/>
           </a:solidFill>
@@ -2356,7 +2446,7 @@
         <a:buFontTx/>
         <a:buNone/>
         <a:tabLst/>
-        <a:defRPr b="0" baseline="0" cap="none" i="0" spc="0" strike="noStrike" sz="8000" u="none">
+        <a:defRPr sz="8000" b="0" i="0" u="none" strike="noStrike" cap="none" spc="0" baseline="0">
           <a:solidFill>
             <a:srgbClr val="FFFFFF"/>
           </a:solidFill>
@@ -2382,7 +2472,7 @@
         <a:buFontTx/>
         <a:buNone/>
         <a:tabLst/>
-        <a:defRPr b="0" baseline="0" cap="none" i="0" spc="0" strike="noStrike" sz="8000" u="none">
+        <a:defRPr sz="8000" b="0" i="0" u="none" strike="noStrike" cap="none" spc="0" baseline="0">
           <a:solidFill>
             <a:srgbClr val="FFFFFF"/>
           </a:solidFill>
@@ -2408,7 +2498,7 @@
         <a:buFontTx/>
         <a:buNone/>
         <a:tabLst/>
-        <a:defRPr b="0" baseline="0" cap="none" i="0" spc="0" strike="noStrike" sz="8000" u="none">
+        <a:defRPr sz="8000" b="0" i="0" u="none" strike="noStrike" cap="none" spc="0" baseline="0">
           <a:solidFill>
             <a:srgbClr val="FFFFFF"/>
           </a:solidFill>
@@ -2434,7 +2524,7 @@
         <a:buFontTx/>
         <a:buNone/>
         <a:tabLst/>
-        <a:defRPr b="0" baseline="0" cap="none" i="0" spc="0" strike="noStrike" sz="8000" u="none">
+        <a:defRPr sz="8000" b="0" i="0" u="none" strike="noStrike" cap="none" spc="0" baseline="0">
           <a:solidFill>
             <a:srgbClr val="FFFFFF"/>
           </a:solidFill>
@@ -2460,7 +2550,7 @@
         <a:buFontTx/>
         <a:buNone/>
         <a:tabLst/>
-        <a:defRPr b="0" baseline="0" cap="none" i="0" spc="0" strike="noStrike" sz="8000" u="none">
+        <a:defRPr sz="8000" b="0" i="0" u="none" strike="noStrike" cap="none" spc="0" baseline="0">
           <a:solidFill>
             <a:srgbClr val="FFFFFF"/>
           </a:solidFill>
@@ -2490,7 +2580,7 @@
         <a:buFontTx/>
         <a:buChar char="•"/>
         <a:tabLst/>
-        <a:defRPr b="0" baseline="0" cap="none" i="0" spc="0" strike="noStrike" sz="3200" u="none">
+        <a:defRPr sz="3200" b="0" i="0" u="none" strike="noStrike" cap="none" spc="0" baseline="0">
           <a:solidFill>
             <a:srgbClr val="FFFFFF"/>
           </a:solidFill>
@@ -2518,7 +2608,7 @@
         <a:buFontTx/>
         <a:buChar char="•"/>
         <a:tabLst/>
-        <a:defRPr b="0" baseline="0" cap="none" i="0" spc="0" strike="noStrike" sz="3200" u="none">
+        <a:defRPr sz="3200" b="0" i="0" u="none" strike="noStrike" cap="none" spc="0" baseline="0">
           <a:solidFill>
             <a:srgbClr val="FFFFFF"/>
           </a:solidFill>
@@ -2546,7 +2636,7 @@
         <a:buFontTx/>
         <a:buChar char="•"/>
         <a:tabLst/>
-        <a:defRPr b="0" baseline="0" cap="none" i="0" spc="0" strike="noStrike" sz="3200" u="none">
+        <a:defRPr sz="3200" b="0" i="0" u="none" strike="noStrike" cap="none" spc="0" baseline="0">
           <a:solidFill>
             <a:srgbClr val="FFFFFF"/>
           </a:solidFill>
@@ -2574,7 +2664,7 @@
         <a:buFontTx/>
         <a:buChar char="•"/>
         <a:tabLst/>
-        <a:defRPr b="0" baseline="0" cap="none" i="0" spc="0" strike="noStrike" sz="3200" u="none">
+        <a:defRPr sz="3200" b="0" i="0" u="none" strike="noStrike" cap="none" spc="0" baseline="0">
           <a:solidFill>
             <a:srgbClr val="FFFFFF"/>
           </a:solidFill>
@@ -2602,7 +2692,7 @@
         <a:buFontTx/>
         <a:buChar char="•"/>
         <a:tabLst/>
-        <a:defRPr b="0" baseline="0" cap="none" i="0" spc="0" strike="noStrike" sz="3200" u="none">
+        <a:defRPr sz="3200" b="0" i="0" u="none" strike="noStrike" cap="none" spc="0" baseline="0">
           <a:solidFill>
             <a:srgbClr val="FFFFFF"/>
           </a:solidFill>
@@ -2630,7 +2720,7 @@
         <a:buFontTx/>
         <a:buChar char="•"/>
         <a:tabLst/>
-        <a:defRPr b="0" baseline="0" cap="none" i="0" spc="0" strike="noStrike" sz="3200" u="none">
+        <a:defRPr sz="3200" b="0" i="0" u="none" strike="noStrike" cap="none" spc="0" baseline="0">
           <a:solidFill>
             <a:srgbClr val="FFFFFF"/>
           </a:solidFill>
@@ -2658,7 +2748,7 @@
         <a:buFontTx/>
         <a:buChar char="•"/>
         <a:tabLst/>
-        <a:defRPr b="0" baseline="0" cap="none" i="0" spc="0" strike="noStrike" sz="3200" u="none">
+        <a:defRPr sz="3200" b="0" i="0" u="none" strike="noStrike" cap="none" spc="0" baseline="0">
           <a:solidFill>
             <a:srgbClr val="FFFFFF"/>
           </a:solidFill>
@@ -2686,7 +2776,7 @@
         <a:buFontTx/>
         <a:buChar char="•"/>
         <a:tabLst/>
-        <a:defRPr b="0" baseline="0" cap="none" i="0" spc="0" strike="noStrike" sz="3200" u="none">
+        <a:defRPr sz="3200" b="0" i="0" u="none" strike="noStrike" cap="none" spc="0" baseline="0">
           <a:solidFill>
             <a:srgbClr val="FFFFFF"/>
           </a:solidFill>
@@ -2714,7 +2804,7 @@
         <a:buFontTx/>
         <a:buChar char="•"/>
         <a:tabLst/>
-        <a:defRPr b="0" baseline="0" cap="none" i="0" spc="0" strike="noStrike" sz="3200" u="none">
+        <a:defRPr sz="3200" b="0" i="0" u="none" strike="noStrike" cap="none" spc="0" baseline="0">
           <a:solidFill>
             <a:srgbClr val="FFFFFF"/>
           </a:solidFill>
@@ -2742,7 +2832,7 @@
         <a:buFontTx/>
         <a:buNone/>
         <a:tabLst/>
-        <a:defRPr b="0" baseline="0" cap="none" i="0" spc="0" strike="noStrike" sz="1600" u="none">
+        <a:defRPr sz="1600" b="0" i="0" u="none" strike="noStrike" cap="none" spc="0" baseline="0">
           <a:solidFill>
             <a:schemeClr val="tx1"/>
           </a:solidFill>
@@ -2768,7 +2858,7 @@
         <a:buFontTx/>
         <a:buNone/>
         <a:tabLst/>
-        <a:defRPr b="0" baseline="0" cap="none" i="0" spc="0" strike="noStrike" sz="1600" u="none">
+        <a:defRPr sz="1600" b="0" i="0" u="none" strike="noStrike" cap="none" spc="0" baseline="0">
           <a:solidFill>
             <a:schemeClr val="tx1"/>
           </a:solidFill>
@@ -2794,7 +2884,7 @@
         <a:buFontTx/>
         <a:buNone/>
         <a:tabLst/>
-        <a:defRPr b="0" baseline="0" cap="none" i="0" spc="0" strike="noStrike" sz="1600" u="none">
+        <a:defRPr sz="1600" b="0" i="0" u="none" strike="noStrike" cap="none" spc="0" baseline="0">
           <a:solidFill>
             <a:schemeClr val="tx1"/>
           </a:solidFill>
@@ -2820,7 +2910,7 @@
         <a:buFontTx/>
         <a:buNone/>
         <a:tabLst/>
-        <a:defRPr b="0" baseline="0" cap="none" i="0" spc="0" strike="noStrike" sz="1600" u="none">
+        <a:defRPr sz="1600" b="0" i="0" u="none" strike="noStrike" cap="none" spc="0" baseline="0">
           <a:solidFill>
             <a:schemeClr val="tx1"/>
           </a:solidFill>
@@ -2846,7 +2936,7 @@
         <a:buFontTx/>
         <a:buNone/>
         <a:tabLst/>
-        <a:defRPr b="0" baseline="0" cap="none" i="0" spc="0" strike="noStrike" sz="1600" u="none">
+        <a:defRPr sz="1600" b="0" i="0" u="none" strike="noStrike" cap="none" spc="0" baseline="0">
           <a:solidFill>
             <a:schemeClr val="tx1"/>
           </a:solidFill>
@@ -2872,7 +2962,7 @@
         <a:buFontTx/>
         <a:buNone/>
         <a:tabLst/>
-        <a:defRPr b="0" baseline="0" cap="none" i="0" spc="0" strike="noStrike" sz="1600" u="none">
+        <a:defRPr sz="1600" b="0" i="0" u="none" strike="noStrike" cap="none" spc="0" baseline="0">
           <a:solidFill>
             <a:schemeClr val="tx1"/>
           </a:solidFill>
@@ -2898,7 +2988,7 @@
         <a:buFontTx/>
         <a:buNone/>
         <a:tabLst/>
-        <a:defRPr b="0" baseline="0" cap="none" i="0" spc="0" strike="noStrike" sz="1600" u="none">
+        <a:defRPr sz="1600" b="0" i="0" u="none" strike="noStrike" cap="none" spc="0" baseline="0">
           <a:solidFill>
             <a:schemeClr val="tx1"/>
           </a:solidFill>
@@ -2924,7 +3014,7 @@
         <a:buFontTx/>
         <a:buNone/>
         <a:tabLst/>
-        <a:defRPr b="0" baseline="0" cap="none" i="0" spc="0" strike="noStrike" sz="1600" u="none">
+        <a:defRPr sz="1600" b="0" i="0" u="none" strike="noStrike" cap="none" spc="0" baseline="0">
           <a:solidFill>
             <a:schemeClr val="tx1"/>
           </a:solidFill>
@@ -2950,7 +3040,7 @@
         <a:buFontTx/>
         <a:buNone/>
         <a:tabLst/>
-        <a:defRPr b="0" baseline="0" cap="none" i="0" spc="0" strike="noStrike" sz="1600" u="none">
+        <a:defRPr sz="1600" b="0" i="0" u="none" strike="noStrike" cap="none" spc="0" baseline="0">
           <a:solidFill>
             <a:schemeClr val="tx1"/>
           </a:solidFill>
@@ -2967,7 +3057,7 @@
 </file>
 
 <file path=ppt/slides/slide1.xml><?xml version="1.0" encoding="utf-8"?>
-<p:sld xmlns:a="http://schemas.openxmlformats.org/drawingml/2006/main" xmlns:r="http://schemas.openxmlformats.org/officeDocument/2006/relationships" xmlns:p="http://schemas.openxmlformats.org/presentationml/2006/main" xmlns:m="http://schemas.openxmlformats.org/officeDocument/2006/math" xmlns:a14="http://schemas.microsoft.com/office/drawing/2010/main" showMasterSp="1" showMasterPhAnim="1">
+<p:sld xmlns:a="http://schemas.openxmlformats.org/drawingml/2006/main" xmlns:r="http://schemas.openxmlformats.org/officeDocument/2006/relationships" xmlns:p="http://schemas.openxmlformats.org/presentationml/2006/main">
   <p:cSld>
     <p:spTree>
       <p:nvGrpSpPr>
@@ -2986,7 +3076,9 @@
       <p:sp>
         <p:nvSpPr>
           <p:cNvPr id="119" name="用GA來解 最短路徑問題"/>
-          <p:cNvSpPr txBox="1"/>
+          <p:cNvSpPr txBox="1">
+            <a:spLocks noGrp="1"/>
+          </p:cNvSpPr>
           <p:nvPr>
             <p:ph type="ctrTitle"/>
           </p:nvPr>
@@ -3004,7 +3096,6 @@
           <a:bodyPr/>
           <a:lstStyle/>
           <a:p>
-            <a:pPr/>
             <a:r>
               <a:t>用GA來解</a:t>
             </a:r>
@@ -3020,12 +3111,67 @@
   <p:clrMapOvr>
     <a:masterClrMapping/>
   </p:clrMapOvr>
-  <p:transition xmlns:p14="http://schemas.microsoft.com/office/powerpoint/2010/main" spd="med" advClick="1"/>
+  <p:transition spd="med"/>
 </p:sld>
 </file>
 
 <file path=ppt/slides/slide10.xml><?xml version="1.0" encoding="utf-8"?>
-<p:sld xmlns:a="http://schemas.openxmlformats.org/drawingml/2006/main" xmlns:r="http://schemas.openxmlformats.org/officeDocument/2006/relationships" xmlns:p="http://schemas.openxmlformats.org/presentationml/2006/main" xmlns:m="http://schemas.openxmlformats.org/officeDocument/2006/math" xmlns:a14="http://schemas.microsoft.com/office/drawing/2010/main" showMasterSp="1" showMasterPhAnim="1">
+<p:sld xmlns:a="http://schemas.openxmlformats.org/drawingml/2006/main" xmlns:r="http://schemas.openxmlformats.org/officeDocument/2006/relationships" xmlns:p="http://schemas.openxmlformats.org/presentationml/2006/main">
+  <p:cSld>
+    <p:spTree>
+      <p:nvGrpSpPr>
+        <p:cNvPr id="1" name=""/>
+        <p:cNvGrpSpPr/>
+        <p:nvPr/>
+      </p:nvGrpSpPr>
+      <p:grpSpPr>
+        <a:xfrm>
+          <a:off x="0" y="0"/>
+          <a:ext cx="0" cy="0"/>
+          <a:chOff x="0" y="0"/>
+          <a:chExt cx="0" cy="0"/>
+        </a:xfrm>
+      </p:grpSpPr>
+      <p:sp>
+        <p:nvSpPr>
+          <p:cNvPr id="142" name="結果＝DEMO"/>
+          <p:cNvSpPr txBox="1">
+            <a:spLocks noGrp="1"/>
+          </p:cNvSpPr>
+          <p:nvPr>
+            <p:ph type="title"/>
+          </p:nvPr>
+        </p:nvSpPr>
+        <p:spPr>
+          <a:xfrm>
+            <a:off x="952500" y="3797300"/>
+            <a:ext cx="11099800" cy="2159000"/>
+          </a:xfrm>
+          <a:prstGeom prst="rect">
+            <a:avLst/>
+          </a:prstGeom>
+        </p:spPr>
+        <p:txBody>
+          <a:bodyPr/>
+          <a:lstStyle/>
+          <a:p>
+            <a:r>
+              <a:t>結果＝DEMO</a:t>
+            </a:r>
+          </a:p>
+        </p:txBody>
+      </p:sp>
+    </p:spTree>
+  </p:cSld>
+  <p:clrMapOvr>
+    <a:masterClrMapping/>
+  </p:clrMapOvr>
+  <p:transition spd="med"/>
+</p:sld>
+</file>
+
+<file path=ppt/slides/slide11.xml><?xml version="1.0" encoding="utf-8"?>
+<p:sld xmlns:a="http://schemas.openxmlformats.org/drawingml/2006/main" xmlns:r="http://schemas.openxmlformats.org/officeDocument/2006/relationships" xmlns:p="http://schemas.openxmlformats.org/presentationml/2006/main">
   <p:cSld>
     <p:spTree>
       <p:nvGrpSpPr>
@@ -3044,7 +3190,9 @@
       <p:sp>
         <p:nvSpPr>
           <p:cNvPr id="144" name="遇到的問題"/>
-          <p:cNvSpPr txBox="1"/>
+          <p:cNvSpPr txBox="1">
+            <a:spLocks noGrp="1"/>
+          </p:cNvSpPr>
           <p:nvPr>
             <p:ph type="title"/>
           </p:nvPr>
@@ -3058,7 +3206,6 @@
           <a:bodyPr/>
           <a:lstStyle/>
           <a:p>
-            <a:pPr/>
             <a:r>
               <a:t>遇到的問題</a:t>
             </a:r>
@@ -3068,7 +3215,9 @@
       <p:sp>
         <p:nvSpPr>
           <p:cNvPr id="145" name="起點永遠都被選在邊邊（中間的點可能不太會被選為起點）…"/>
-          <p:cNvSpPr txBox="1"/>
+          <p:cNvSpPr txBox="1">
+            <a:spLocks noGrp="1"/>
+          </p:cNvSpPr>
           <p:nvPr>
             <p:ph type="body" idx="1"/>
           </p:nvPr>
@@ -3082,16 +3231,38 @@
           <a:bodyPr/>
           <a:lstStyle/>
           <a:p>
-            <a:pPr/>
-            <a:r>
-              <a:t>起點永遠都被選在邊邊（中間的點可能不太會被選為起點）</a:t>
-            </a:r>
-          </a:p>
-          <a:p>
-            <a:pPr/>
-            <a:r>
+            <a:r>
+              <a:rPr dirty="0" err="1"/>
+              <a:t>起點永遠都被選在邊邊（中間的點可能不太會被選為起點</a:t>
+            </a:r>
+            <a:r>
+              <a:rPr dirty="0"/>
+              <a:t>）</a:t>
+            </a:r>
+            <a:r>
+              <a:rPr lang="en-US" dirty="0"/>
+              <a:t> &lt;- </a:t>
+            </a:r>
+            <a:r>
+              <a:rPr lang="zh-CN" altLang="en-US" dirty="0"/>
+              <a:t>在加入其他的判斷條件（雨天、優先權</a:t>
+            </a:r>
+            <a:r>
+              <a:rPr lang="en-US" altLang="zh-CN" dirty="0"/>
+              <a:t>…</a:t>
+            </a:r>
+            <a:r>
+              <a:rPr lang="zh-CN" altLang="en-US" dirty="0"/>
+              <a:t>）後已解決</a:t>
+            </a:r>
+            <a:endParaRPr dirty="0"/>
+          </a:p>
+          <a:p>
+            <a:r>
+              <a:rPr dirty="0" err="1"/>
               <a:t>無法自訂起點</a:t>
             </a:r>
+            <a:endParaRPr dirty="0"/>
           </a:p>
         </p:txBody>
       </p:sp>
@@ -3100,12 +3271,12 @@
   <p:clrMapOvr>
     <a:masterClrMapping/>
   </p:clrMapOvr>
-  <p:transition xmlns:p14="http://schemas.microsoft.com/office/powerpoint/2010/main" spd="med" advClick="1"/>
+  <p:transition spd="med"/>
 </p:sld>
 </file>
 
-<file path=ppt/slides/slide11.xml><?xml version="1.0" encoding="utf-8"?>
-<p:sld xmlns:a="http://schemas.openxmlformats.org/drawingml/2006/main" xmlns:r="http://schemas.openxmlformats.org/officeDocument/2006/relationships" xmlns:p="http://schemas.openxmlformats.org/presentationml/2006/main" xmlns:m="http://schemas.openxmlformats.org/officeDocument/2006/math" xmlns:a14="http://schemas.microsoft.com/office/drawing/2010/main" showMasterSp="1" showMasterPhAnim="1">
+<file path=ppt/slides/slide12.xml><?xml version="1.0" encoding="utf-8"?>
+<p:sld xmlns:a="http://schemas.openxmlformats.org/drawingml/2006/main" xmlns:r="http://schemas.openxmlformats.org/officeDocument/2006/relationships" xmlns:p="http://schemas.openxmlformats.org/presentationml/2006/main">
   <p:cSld>
     <p:spTree>
       <p:nvGrpSpPr>
@@ -3140,7 +3311,7 @@
           </a:ln>
           <a:extLst>
             <a:ext uri="{C572A759-6A51-4108-AA02-DFA0A04FC94B}">
-              <ma14:wrappingTextBoxFlag xmlns:ma14="http://schemas.microsoft.com/office/mac/drawingml/2011/main" val="1"/>
+              <ma14:wrappingTextBoxFlag xmlns:ma14="http://schemas.microsoft.com/office/mac/drawingml/2011/main" xmlns:a14="http://schemas.microsoft.com/office/drawing/2010/main" xmlns:m="http://schemas.openxmlformats.org/officeDocument/2006/math" xmlns="" val="1"/>
             </a:ext>
           </a:extLst>
         </p:spPr>
@@ -3150,7 +3321,7 @@
           </a:bodyPr>
           <a:lstStyle>
             <a:lvl1pPr>
-              <a:defRPr b="0" sz="8000">
+              <a:defRPr sz="8000" b="0">
                 <a:latin typeface="+mn-lt"/>
                 <a:ea typeface="+mn-ea"/>
                 <a:cs typeface="+mn-cs"/>
@@ -3159,7 +3330,6 @@
             </a:lvl1pPr>
           </a:lstStyle>
           <a:p>
-            <a:pPr/>
             <a:r>
               <a:t>感謝大家</a:t>
             </a:r>
@@ -3171,12 +3341,12 @@
   <p:clrMapOvr>
     <a:masterClrMapping/>
   </p:clrMapOvr>
-  <p:transition xmlns:p14="http://schemas.microsoft.com/office/powerpoint/2010/main" spd="med" advClick="1"/>
+  <p:transition spd="med"/>
 </p:sld>
 </file>
 
 <file path=ppt/slides/slide2.xml><?xml version="1.0" encoding="utf-8"?>
-<p:sld xmlns:a="http://schemas.openxmlformats.org/drawingml/2006/main" xmlns:r="http://schemas.openxmlformats.org/officeDocument/2006/relationships" xmlns:p="http://schemas.openxmlformats.org/presentationml/2006/main" xmlns:m="http://schemas.openxmlformats.org/officeDocument/2006/math" xmlns:a14="http://schemas.microsoft.com/office/drawing/2010/main" showMasterSp="1" showMasterPhAnim="1">
+<p:sld xmlns:a="http://schemas.openxmlformats.org/drawingml/2006/main" xmlns:r="http://schemas.openxmlformats.org/officeDocument/2006/relationships" xmlns:p="http://schemas.openxmlformats.org/presentationml/2006/main">
   <p:cSld>
     <p:spTree>
       <p:nvGrpSpPr>
@@ -3195,7 +3365,9 @@
       <p:sp>
         <p:nvSpPr>
           <p:cNvPr id="121" name="問題"/>
-          <p:cNvSpPr txBox="1"/>
+          <p:cNvSpPr txBox="1">
+            <a:spLocks noGrp="1"/>
+          </p:cNvSpPr>
           <p:nvPr>
             <p:ph type="title"/>
           </p:nvPr>
@@ -3209,7 +3381,6 @@
           <a:bodyPr/>
           <a:lstStyle/>
           <a:p>
-            <a:pPr/>
             <a:r>
               <a:t>問題</a:t>
             </a:r>
@@ -3219,7 +3390,9 @@
       <p:sp>
         <p:nvSpPr>
           <p:cNvPr id="122" name="假如在一張地圖上有N個點，我可能在地圖上的任意一個點上，我該如何走才能走出最短的路徑，並且經過每一個城市？"/>
-          <p:cNvSpPr txBox="1"/>
+          <p:cNvSpPr txBox="1">
+            <a:spLocks noGrp="1"/>
+          </p:cNvSpPr>
           <p:nvPr>
             <p:ph type="body" idx="1"/>
           </p:nvPr>
@@ -3233,7 +3406,6 @@
           <a:bodyPr/>
           <a:lstStyle/>
           <a:p>
-            <a:pPr/>
             <a:r>
               <a:t>假如在一張地圖上有N個點，我可能在地圖上的任意一個點上，我該如何走才能走出最短的路徑，並且經過每一個城市？</a:t>
             </a:r>
@@ -3245,12 +3417,12 @@
   <p:clrMapOvr>
     <a:masterClrMapping/>
   </p:clrMapOvr>
-  <p:transition xmlns:p14="http://schemas.microsoft.com/office/powerpoint/2010/main" spd="med" advClick="1"/>
+  <p:transition spd="med"/>
 </p:sld>
 </file>
 
 <file path=ppt/slides/slide3.xml><?xml version="1.0" encoding="utf-8"?>
-<p:sld xmlns:a="http://schemas.openxmlformats.org/drawingml/2006/main" xmlns:r="http://schemas.openxmlformats.org/officeDocument/2006/relationships" xmlns:p="http://schemas.openxmlformats.org/presentationml/2006/main" xmlns:m="http://schemas.openxmlformats.org/officeDocument/2006/math" xmlns:a14="http://schemas.microsoft.com/office/drawing/2010/main" showMasterSp="1" showMasterPhAnim="1">
+<p:sld xmlns:a="http://schemas.openxmlformats.org/drawingml/2006/main" xmlns:r="http://schemas.openxmlformats.org/officeDocument/2006/relationships" xmlns:p="http://schemas.openxmlformats.org/presentationml/2006/main">
   <p:cSld>
     <p:spTree>
       <p:nvGrpSpPr>
@@ -3269,7 +3441,9 @@
       <p:sp>
         <p:nvSpPr>
           <p:cNvPr id="124" name="DNA編碼"/>
-          <p:cNvSpPr txBox="1"/>
+          <p:cNvSpPr txBox="1">
+            <a:spLocks noGrp="1"/>
+          </p:cNvSpPr>
           <p:nvPr>
             <p:ph type="title"/>
           </p:nvPr>
@@ -3283,7 +3457,6 @@
           <a:bodyPr/>
           <a:lstStyle/>
           <a:p>
-            <a:pPr/>
             <a:r>
               <a:t>DNA編碼</a:t>
             </a:r>
@@ -3293,7 +3466,9 @@
       <p:sp>
         <p:nvSpPr>
           <p:cNvPr id="125" name="用走過的城市的順序…"/>
-          <p:cNvSpPr txBox="1"/>
+          <p:cNvSpPr txBox="1">
+            <a:spLocks noGrp="1"/>
+          </p:cNvSpPr>
           <p:nvPr>
             <p:ph type="body" idx="1"/>
           </p:nvPr>
@@ -3307,13 +3482,11 @@
           <a:bodyPr/>
           <a:lstStyle/>
           <a:p>
-            <a:pPr/>
             <a:r>
               <a:t>用走過的城市的順序</a:t>
             </a:r>
           </a:p>
           <a:p>
-            <a:pPr/>
             <a:r>
               <a:t>問題：交配/突變時重複已走過的城市</a:t>
             </a:r>
@@ -3325,12 +3498,12 @@
   <p:clrMapOvr>
     <a:masterClrMapping/>
   </p:clrMapOvr>
-  <p:transition xmlns:p14="http://schemas.microsoft.com/office/powerpoint/2010/main" spd="med" advClick="1"/>
+  <p:transition spd="med"/>
 </p:sld>
 </file>
 
 <file path=ppt/slides/slide4.xml><?xml version="1.0" encoding="utf-8"?>
-<p:sld xmlns:a="http://schemas.openxmlformats.org/drawingml/2006/main" xmlns:r="http://schemas.openxmlformats.org/officeDocument/2006/relationships" xmlns:p="http://schemas.openxmlformats.org/presentationml/2006/main" xmlns:m="http://schemas.openxmlformats.org/officeDocument/2006/math" xmlns:a14="http://schemas.microsoft.com/office/drawing/2010/main" showMasterSp="1" showMasterPhAnim="1">
+<p:sld xmlns:a="http://schemas.openxmlformats.org/drawingml/2006/main" xmlns:r="http://schemas.openxmlformats.org/officeDocument/2006/relationships" xmlns:p="http://schemas.openxmlformats.org/presentationml/2006/main">
   <p:cSld>
     <p:spTree>
       <p:nvGrpSpPr>
@@ -3349,7 +3522,9 @@
       <p:sp>
         <p:nvSpPr>
           <p:cNvPr id="127" name="Solution"/>
-          <p:cNvSpPr txBox="1"/>
+          <p:cNvSpPr txBox="1">
+            <a:spLocks noGrp="1"/>
+          </p:cNvSpPr>
           <p:nvPr>
             <p:ph type="title"/>
           </p:nvPr>
@@ -3363,7 +3538,6 @@
           <a:bodyPr/>
           <a:lstStyle/>
           <a:p>
-            <a:pPr/>
             <a:r>
               <a:t>Solution</a:t>
             </a:r>
@@ -3379,9 +3553,7 @@
           <p:nvPr/>
         </p:nvPicPr>
         <p:blipFill>
-          <a:blip r:embed="rId2">
-            <a:extLst/>
-          </a:blip>
+          <a:blip r:embed="rId2"/>
           <a:stretch>
             <a:fillRect/>
           </a:stretch>
@@ -3404,12 +3576,12 @@
   <p:clrMapOvr>
     <a:masterClrMapping/>
   </p:clrMapOvr>
-  <p:transition xmlns:p14="http://schemas.microsoft.com/office/powerpoint/2010/main" spd="med" advClick="1"/>
+  <p:transition spd="med"/>
 </p:sld>
 </file>
 
 <file path=ppt/slides/slide5.xml><?xml version="1.0" encoding="utf-8"?>
-<p:sld xmlns:a="http://schemas.openxmlformats.org/drawingml/2006/main" xmlns:r="http://schemas.openxmlformats.org/officeDocument/2006/relationships" xmlns:p="http://schemas.openxmlformats.org/presentationml/2006/main" xmlns:m="http://schemas.openxmlformats.org/officeDocument/2006/math" xmlns:a14="http://schemas.microsoft.com/office/drawing/2010/main" showMasterSp="1" showMasterPhAnim="1">
+<p:sld xmlns:a="http://schemas.openxmlformats.org/drawingml/2006/main" xmlns:r="http://schemas.openxmlformats.org/officeDocument/2006/relationships" xmlns:p="http://schemas.openxmlformats.org/presentationml/2006/main">
   <p:cSld>
     <p:spTree>
       <p:nvGrpSpPr>
@@ -3428,7 +3600,9 @@
       <p:sp>
         <p:nvSpPr>
           <p:cNvPr id="130" name="Fitness"/>
-          <p:cNvSpPr txBox="1"/>
+          <p:cNvSpPr txBox="1">
+            <a:spLocks noGrp="1"/>
+          </p:cNvSpPr>
           <p:nvPr>
             <p:ph type="title"/>
           </p:nvPr>
@@ -3442,7 +3616,6 @@
           <a:bodyPr/>
           <a:lstStyle/>
           <a:p>
-            <a:pPr/>
             <a:r>
               <a:t>Fitness</a:t>
             </a:r>
@@ -3452,7 +3625,9 @@
       <p:sp>
         <p:nvSpPr>
           <p:cNvPr id="131" name="把全部的點連起來算距離，距離越短fintess越高…"/>
-          <p:cNvSpPr txBox="1"/>
+          <p:cNvSpPr txBox="1">
+            <a:spLocks noGrp="1"/>
+          </p:cNvSpPr>
           <p:nvPr>
             <p:ph type="body" idx="1"/>
           </p:nvPr>
@@ -3466,22 +3641,32 @@
           <a:bodyPr/>
           <a:lstStyle/>
           <a:p>
-            <a:pPr/>
-            <a:r>
-              <a:t>把全部的點連起來算距離，距離越短fintess越高</a:t>
-            </a:r>
-          </a:p>
-          <a:p>
-            <a:pPr/>
-            <a:r>
+            <a:r>
+              <a:rPr dirty="0" err="1"/>
+              <a:t>把全部的點連起來算距離</a:t>
+            </a:r>
+            <a:endParaRPr dirty="0"/>
+          </a:p>
+          <a:p>
+            <a:r>
+              <a:rPr dirty="0" err="1"/>
               <a:t>雨天</a:t>
             </a:r>
-          </a:p>
-          <a:p>
-            <a:pPr/>
-            <a:r>
+            <a:endParaRPr dirty="0"/>
+          </a:p>
+          <a:p>
+            <a:r>
+              <a:rPr dirty="0" err="1"/>
               <a:t>優先權</a:t>
             </a:r>
+            <a:endParaRPr lang="en-US" dirty="0"/>
+          </a:p>
+          <a:p>
+            <a:r>
+              <a:rPr lang="zh-CN" altLang="en-US" dirty="0"/>
+              <a:t>地形問題</a:t>
+            </a:r>
+            <a:endParaRPr dirty="0"/>
           </a:p>
         </p:txBody>
       </p:sp>
@@ -3490,12 +3675,12 @@
   <p:clrMapOvr>
     <a:masterClrMapping/>
   </p:clrMapOvr>
-  <p:transition xmlns:p14="http://schemas.microsoft.com/office/powerpoint/2010/main" spd="med" advClick="1"/>
+  <p:transition spd="med"/>
 </p:sld>
 </file>
 
 <file path=ppt/slides/slide6.xml><?xml version="1.0" encoding="utf-8"?>
-<p:sld xmlns:a="http://schemas.openxmlformats.org/drawingml/2006/main" xmlns:r="http://schemas.openxmlformats.org/officeDocument/2006/relationships" xmlns:p="http://schemas.openxmlformats.org/presentationml/2006/main" xmlns:m="http://schemas.openxmlformats.org/officeDocument/2006/math" xmlns:a14="http://schemas.microsoft.com/office/drawing/2010/main" showMasterSp="1" showMasterPhAnim="1">
+<p:sld xmlns:a="http://schemas.openxmlformats.org/drawingml/2006/main" xmlns:r="http://schemas.openxmlformats.org/officeDocument/2006/relationships" xmlns:p="http://schemas.openxmlformats.org/presentationml/2006/main">
   <p:cSld>
     <p:spTree>
       <p:nvGrpSpPr>
@@ -3514,7 +3699,9 @@
       <p:sp>
         <p:nvSpPr>
           <p:cNvPr id="133" name="雨天"/>
-          <p:cNvSpPr txBox="1"/>
+          <p:cNvSpPr txBox="1">
+            <a:spLocks noGrp="1"/>
+          </p:cNvSpPr>
           <p:nvPr>
             <p:ph type="title"/>
           </p:nvPr>
@@ -3528,7 +3715,6 @@
           <a:bodyPr/>
           <a:lstStyle/>
           <a:p>
-            <a:pPr/>
             <a:r>
               <a:t>雨天</a:t>
             </a:r>
@@ -3538,7 +3724,9 @@
       <p:sp>
         <p:nvSpPr>
           <p:cNvPr id="134" name="雨天隨機產生，若遇到雨天 總距離+0.5%…"/>
-          <p:cNvSpPr txBox="1"/>
+          <p:cNvSpPr txBox="1">
+            <a:spLocks noGrp="1"/>
+          </p:cNvSpPr>
           <p:nvPr>
             <p:ph type="body" idx="1"/>
           </p:nvPr>
@@ -3552,15 +3740,32 @@
           <a:bodyPr/>
           <a:lstStyle/>
           <a:p>
-            <a:pPr/>
-            <a:r>
-              <a:t>雨天隨機產生，若遇到雨天 總距離+0.5%</a:t>
-            </a:r>
-          </a:p>
-          <a:p>
-            <a:pPr/>
-            <a:r>
-              <a:t>雨天DNA fitness +6.6%</a:t>
+            <a:r>
+              <a:rPr dirty="0" err="1"/>
+              <a:t>雨天隨機產生，若遇到雨</a:t>
+            </a:r>
+            <a:r>
+              <a:rPr lang="zh-CN" altLang="en-US" dirty="0"/>
+              <a:t>天，</a:t>
+            </a:r>
+            <a:r>
+              <a:rPr dirty="0" err="1"/>
+              <a:t>總距離</a:t>
+            </a:r>
+            <a:r>
+              <a:rPr lang="zh-CN" altLang="en-US" dirty="0"/>
+              <a:t>會小幅增加</a:t>
+            </a:r>
+            <a:endParaRPr lang="en-US" dirty="0"/>
+          </a:p>
+          <a:p>
+            <a:r>
+              <a:rPr dirty="0" err="1"/>
+              <a:t>雨天DNA</a:t>
+            </a:r>
+            <a:r>
+              <a:rPr dirty="0"/>
+              <a:t> fitness +6.6%</a:t>
             </a:r>
           </a:p>
         </p:txBody>
@@ -3570,12 +3775,12 @@
   <p:clrMapOvr>
     <a:masterClrMapping/>
   </p:clrMapOvr>
-  <p:transition xmlns:p14="http://schemas.microsoft.com/office/powerpoint/2010/main" spd="med" advClick="1"/>
+  <p:transition spd="med"/>
 </p:sld>
 </file>
 
 <file path=ppt/slides/slide7.xml><?xml version="1.0" encoding="utf-8"?>
-<p:sld xmlns:a="http://schemas.openxmlformats.org/drawingml/2006/main" xmlns:r="http://schemas.openxmlformats.org/officeDocument/2006/relationships" xmlns:p="http://schemas.openxmlformats.org/presentationml/2006/main" xmlns:m="http://schemas.openxmlformats.org/officeDocument/2006/math" xmlns:a14="http://schemas.microsoft.com/office/drawing/2010/main" showMasterSp="1" showMasterPhAnim="1">
+<p:sld xmlns:a="http://schemas.openxmlformats.org/drawingml/2006/main" xmlns:r="http://schemas.openxmlformats.org/officeDocument/2006/relationships" xmlns:p="http://schemas.openxmlformats.org/presentationml/2006/main">
   <p:cSld>
     <p:spTree>
       <p:nvGrpSpPr>
@@ -3594,7 +3799,9 @@
       <p:sp>
         <p:nvSpPr>
           <p:cNvPr id="136" name="優先權"/>
-          <p:cNvSpPr txBox="1"/>
+          <p:cNvSpPr txBox="1">
+            <a:spLocks noGrp="1"/>
+          </p:cNvSpPr>
           <p:nvPr>
             <p:ph type="title"/>
           </p:nvPr>
@@ -3608,7 +3815,6 @@
           <a:bodyPr/>
           <a:lstStyle/>
           <a:p>
-            <a:pPr/>
             <a:r>
               <a:t>優先權</a:t>
             </a:r>
@@ -3618,7 +3824,9 @@
       <p:sp>
         <p:nvSpPr>
           <p:cNvPr id="137" name="點點產生後產生一組跟點點數量一樣的陣列，裡面放0~3的數字（表示優先權）…"/>
-          <p:cNvSpPr txBox="1"/>
+          <p:cNvSpPr txBox="1">
+            <a:spLocks noGrp="1"/>
+          </p:cNvSpPr>
           <p:nvPr>
             <p:ph type="body" idx="1"/>
           </p:nvPr>
@@ -3632,19 +3840,16 @@
           <a:bodyPr/>
           <a:lstStyle/>
           <a:p>
-            <a:pPr/>
             <a:r>
               <a:t>點點產生後產生一組跟點點數量一樣的陣列，裡面放0~3的數字（表示優先權）</a:t>
             </a:r>
           </a:p>
           <a:p>
-            <a:pPr/>
             <a:r>
               <a:t>用一個積分來計算優先權的分數（積分 += 優先權）</a:t>
             </a:r>
           </a:p>
           <a:p>
-            <a:pPr/>
             <a:r>
               <a:t>每做一輪動作全部的優先權-1, 減到0就不算積分了</a:t>
             </a:r>
@@ -3656,12 +3861,12 @@
   <p:clrMapOvr>
     <a:masterClrMapping/>
   </p:clrMapOvr>
-  <p:transition xmlns:p14="http://schemas.microsoft.com/office/powerpoint/2010/main" spd="med" advClick="1"/>
+  <p:transition spd="med"/>
 </p:sld>
 </file>
 
 <file path=ppt/slides/slide8.xml><?xml version="1.0" encoding="utf-8"?>
-<p:sld xmlns:a="http://schemas.openxmlformats.org/drawingml/2006/main" xmlns:r="http://schemas.openxmlformats.org/officeDocument/2006/relationships" xmlns:p="http://schemas.openxmlformats.org/presentationml/2006/main" xmlns:m="http://schemas.openxmlformats.org/officeDocument/2006/math" xmlns:a14="http://schemas.microsoft.com/office/drawing/2010/main" showMasterSp="1" showMasterPhAnim="1">
+<p:sld xmlns:a="http://schemas.openxmlformats.org/drawingml/2006/main" xmlns:r="http://schemas.openxmlformats.org/officeDocument/2006/relationships" xmlns:p="http://schemas.openxmlformats.org/presentationml/2006/main">
   <p:cSld>
     <p:spTree>
       <p:nvGrpSpPr>
@@ -3680,7 +3885,9 @@
       <p:sp>
         <p:nvSpPr>
           <p:cNvPr id="139" name="Solution"/>
-          <p:cNvSpPr txBox="1"/>
+          <p:cNvSpPr txBox="1">
+            <a:spLocks noGrp="1"/>
+          </p:cNvSpPr>
           <p:nvPr>
             <p:ph type="title"/>
           </p:nvPr>
@@ -3694,7 +3901,6 @@
           <a:bodyPr/>
           <a:lstStyle/>
           <a:p>
-            <a:pPr/>
             <a:r>
               <a:t>Solution</a:t>
             </a:r>
@@ -3710,9 +3916,7 @@
           <p:nvPr/>
         </p:nvPicPr>
         <p:blipFill>
-          <a:blip r:embed="rId2">
-            <a:extLst/>
-          </a:blip>
+          <a:blip r:embed="rId2"/>
           <a:stretch>
             <a:fillRect/>
           </a:stretch>
@@ -3735,12 +3939,12 @@
   <p:clrMapOvr>
     <a:masterClrMapping/>
   </p:clrMapOvr>
-  <p:transition xmlns:p14="http://schemas.microsoft.com/office/powerpoint/2010/main" spd="med" advClick="1"/>
+  <p:transition spd="med"/>
 </p:sld>
 </file>
 
 <file path=ppt/slides/slide9.xml><?xml version="1.0" encoding="utf-8"?>
-<p:sld xmlns:a="http://schemas.openxmlformats.org/drawingml/2006/main" xmlns:r="http://schemas.openxmlformats.org/officeDocument/2006/relationships" xmlns:p="http://schemas.openxmlformats.org/presentationml/2006/main" xmlns:m="http://schemas.openxmlformats.org/officeDocument/2006/math" xmlns:a14="http://schemas.microsoft.com/office/drawing/2010/main" showMasterSp="1" showMasterPhAnim="1">
+<p:sld xmlns:a="http://schemas.openxmlformats.org/drawingml/2006/main" xmlns:r="http://schemas.openxmlformats.org/officeDocument/2006/relationships" xmlns:p="http://schemas.openxmlformats.org/presentationml/2006/main">
   <p:cSld>
     <p:spTree>
       <p:nvGrpSpPr>
@@ -3758,43 +3962,92 @@
       </p:grpSpPr>
       <p:sp>
         <p:nvSpPr>
-          <p:cNvPr id="142" name="結果＝DEMO"/>
-          <p:cNvSpPr txBox="1"/>
+          <p:cNvPr id="2" name="Title 1">
+            <a:extLst>
+              <a:ext uri="{FF2B5EF4-FFF2-40B4-BE49-F238E27FC236}">
+                <a16:creationId xmlns:a16="http://schemas.microsoft.com/office/drawing/2014/main" id="{EC724ADC-D1AB-7A43-A94C-AD3C298EB2D5}"/>
+              </a:ext>
+            </a:extLst>
+          </p:cNvPr>
+          <p:cNvSpPr>
+            <a:spLocks noGrp="1"/>
+          </p:cNvSpPr>
           <p:nvPr>
             <p:ph type="title"/>
           </p:nvPr>
         </p:nvSpPr>
-        <p:spPr>
-          <a:xfrm>
-            <a:off x="952500" y="3797300"/>
-            <a:ext cx="11099800" cy="2159000"/>
-          </a:xfrm>
-          <a:prstGeom prst="rect">
-            <a:avLst/>
-          </a:prstGeom>
-        </p:spPr>
+        <p:spPr/>
         <p:txBody>
           <a:bodyPr/>
           <a:lstStyle/>
           <a:p>
-            <a:pPr/>
-            <a:r>
-              <a:t>結果＝DEMO</a:t>
-            </a:r>
+            <a:r>
+              <a:rPr lang="zh-CN" altLang="en-US" dirty="0"/>
+              <a:t>地形判斷</a:t>
+            </a:r>
+            <a:endParaRPr lang="en-US" dirty="0"/>
+          </a:p>
+        </p:txBody>
+      </p:sp>
+      <p:sp>
+        <p:nvSpPr>
+          <p:cNvPr id="3" name="Text Placeholder 2">
+            <a:extLst>
+              <a:ext uri="{FF2B5EF4-FFF2-40B4-BE49-F238E27FC236}">
+                <a16:creationId xmlns:a16="http://schemas.microsoft.com/office/drawing/2014/main" id="{956D8C61-7138-DC41-AB2C-F56AC6805F5E}"/>
+              </a:ext>
+            </a:extLst>
+          </p:cNvPr>
+          <p:cNvSpPr>
+            <a:spLocks noGrp="1"/>
+          </p:cNvSpPr>
+          <p:nvPr>
+            <p:ph type="body" idx="1"/>
+          </p:nvPr>
+        </p:nvSpPr>
+        <p:spPr/>
+        <p:txBody>
+          <a:bodyPr/>
+          <a:lstStyle/>
+          <a:p>
+            <a:r>
+              <a:rPr lang="zh-CN" altLang="en-US" dirty="0"/>
+              <a:t>產生一個與城市數量一樣的陣列，紀錄城市是否在山上。</a:t>
+            </a:r>
+            <a:endParaRPr lang="en-US" altLang="zh-CN" dirty="0"/>
+          </a:p>
+          <a:p>
+            <a:r>
+              <a:rPr lang="zh-CN" altLang="en-US" dirty="0"/>
+              <a:t>若在山上，點為咖啡色；若否，點為綠色。</a:t>
+            </a:r>
+            <a:endParaRPr lang="en-US" altLang="zh-CN" dirty="0"/>
+          </a:p>
+          <a:p>
+            <a:r>
+              <a:rPr lang="zh-CN" altLang="en-US" dirty="0"/>
+              <a:t>事件分三類：平移動、上山、下山</a:t>
+            </a:r>
+            <a:endParaRPr lang="en-US" dirty="0"/>
           </a:p>
         </p:txBody>
       </p:sp>
     </p:spTree>
+    <p:extLst>
+      <p:ext uri="{BB962C8B-B14F-4D97-AF65-F5344CB8AC3E}">
+        <p14:creationId xmlns:p14="http://schemas.microsoft.com/office/powerpoint/2010/main" val="1474680042"/>
+      </p:ext>
+    </p:extLst>
   </p:cSld>
   <p:clrMapOvr>
     <a:masterClrMapping/>
   </p:clrMapOvr>
-  <p:transition xmlns:p14="http://schemas.microsoft.com/office/powerpoint/2010/main" spd="med" advClick="1"/>
+  <p:transition spd="med"/>
 </p:sld>
 </file>
 
 <file path=ppt/theme/theme1.xml><?xml version="1.0" encoding="utf-8"?>
-<a:theme xmlns:a="http://schemas.openxmlformats.org/drawingml/2006/main" xmlns:r="http://schemas.openxmlformats.org/officeDocument/2006/relationships" name="Black">
+<a:theme xmlns:a="http://schemas.openxmlformats.org/drawingml/2006/main" name="Black">
   <a:themeElements>
     <a:clrScheme name="Black">
       <a:dk1>
@@ -3995,7 +4248,7 @@
         <a:effectLst/>
         <a:sp3d/>
       </a:spPr>
-      <a:bodyPr rot="0" spcFirstLastPara="1" vertOverflow="overflow" horzOverflow="overflow" vert="horz" wrap="square" lIns="50800" tIns="50800" rIns="50800" bIns="50800" numCol="1" spcCol="38100" rtlCol="0" anchor="ctr" upright="0">
+      <a:bodyPr rot="0" spcFirstLastPara="1" vertOverflow="overflow" horzOverflow="overflow" vert="horz" wrap="square" lIns="50800" tIns="50800" rIns="50800" bIns="50800" numCol="1" spcCol="38100" rtlCol="0" anchor="ctr">
         <a:spAutoFit/>
       </a:bodyPr>
       <a:lstStyle>
@@ -4014,7 +4267,7 @@
           <a:buFontTx/>
           <a:buNone/>
           <a:tabLst/>
-          <a:defRPr b="0" baseline="0" cap="none" i="0" spc="0" strike="noStrike" sz="2200" u="none" kumimoji="0" normalizeH="0">
+          <a:defRPr kumimoji="0" sz="2200" b="0" i="0" u="none" strike="noStrike" cap="none" spc="0" normalizeH="0" baseline="0">
             <a:ln>
               <a:noFill/>
             </a:ln>
@@ -4044,7 +4297,7 @@
           <a:buFontTx/>
           <a:buNone/>
           <a:tabLst/>
-          <a:defRPr b="0" baseline="0" cap="none" i="0" spc="0" strike="noStrike" sz="1800" u="none" kumimoji="0" normalizeH="0">
+          <a:defRPr kumimoji="0" sz="1800" b="0" i="0" u="none" strike="noStrike" cap="none" spc="0" normalizeH="0" baseline="0">
             <a:ln>
               <a:noFill/>
             </a:ln>
@@ -4070,7 +4323,7 @@
           <a:buFontTx/>
           <a:buNone/>
           <a:tabLst/>
-          <a:defRPr b="0" baseline="0" cap="none" i="0" spc="0" strike="noStrike" sz="1800" u="none" kumimoji="0" normalizeH="0">
+          <a:defRPr kumimoji="0" sz="1800" b="0" i="0" u="none" strike="noStrike" cap="none" spc="0" normalizeH="0" baseline="0">
             <a:ln>
               <a:noFill/>
             </a:ln>
@@ -4096,7 +4349,7 @@
           <a:buFontTx/>
           <a:buNone/>
           <a:tabLst/>
-          <a:defRPr b="0" baseline="0" cap="none" i="0" spc="0" strike="noStrike" sz="1800" u="none" kumimoji="0" normalizeH="0">
+          <a:defRPr kumimoji="0" sz="1800" b="0" i="0" u="none" strike="noStrike" cap="none" spc="0" normalizeH="0" baseline="0">
             <a:ln>
               <a:noFill/>
             </a:ln>
@@ -4122,7 +4375,7 @@
           <a:buFontTx/>
           <a:buNone/>
           <a:tabLst/>
-          <a:defRPr b="0" baseline="0" cap="none" i="0" spc="0" strike="noStrike" sz="1800" u="none" kumimoji="0" normalizeH="0">
+          <a:defRPr kumimoji="0" sz="1800" b="0" i="0" u="none" strike="noStrike" cap="none" spc="0" normalizeH="0" baseline="0">
             <a:ln>
               <a:noFill/>
             </a:ln>
@@ -4148,7 +4401,7 @@
           <a:buFontTx/>
           <a:buNone/>
           <a:tabLst/>
-          <a:defRPr b="0" baseline="0" cap="none" i="0" spc="0" strike="noStrike" sz="1800" u="none" kumimoji="0" normalizeH="0">
+          <a:defRPr kumimoji="0" sz="1800" b="0" i="0" u="none" strike="noStrike" cap="none" spc="0" normalizeH="0" baseline="0">
             <a:ln>
               <a:noFill/>
             </a:ln>
@@ -4174,7 +4427,7 @@
           <a:buFontTx/>
           <a:buNone/>
           <a:tabLst/>
-          <a:defRPr b="0" baseline="0" cap="none" i="0" spc="0" strike="noStrike" sz="1800" u="none" kumimoji="0" normalizeH="0">
+          <a:defRPr kumimoji="0" sz="1800" b="0" i="0" u="none" strike="noStrike" cap="none" spc="0" normalizeH="0" baseline="0">
             <a:ln>
               <a:noFill/>
             </a:ln>
@@ -4200,7 +4453,7 @@
           <a:buFontTx/>
           <a:buNone/>
           <a:tabLst/>
-          <a:defRPr b="0" baseline="0" cap="none" i="0" spc="0" strike="noStrike" sz="1800" u="none" kumimoji="0" normalizeH="0">
+          <a:defRPr kumimoji="0" sz="1800" b="0" i="0" u="none" strike="noStrike" cap="none" spc="0" normalizeH="0" baseline="0">
             <a:ln>
               <a:noFill/>
             </a:ln>
@@ -4226,7 +4479,7 @@
           <a:buFontTx/>
           <a:buNone/>
           <a:tabLst/>
-          <a:defRPr b="0" baseline="0" cap="none" i="0" spc="0" strike="noStrike" sz="1800" u="none" kumimoji="0" normalizeH="0">
+          <a:defRPr kumimoji="0" sz="1800" b="0" i="0" u="none" strike="noStrike" cap="none" spc="0" normalizeH="0" baseline="0">
             <a:ln>
               <a:noFill/>
             </a:ln>
@@ -4252,7 +4505,7 @@
           <a:buFontTx/>
           <a:buNone/>
           <a:tabLst/>
-          <a:defRPr b="0" baseline="0" cap="none" i="0" spc="0" strike="noStrike" sz="1800" u="none" kumimoji="0" normalizeH="0">
+          <a:defRPr kumimoji="0" sz="1800" b="0" i="0" u="none" strike="noStrike" cap="none" spc="0" normalizeH="0" baseline="0">
             <a:ln>
               <a:noFill/>
             </a:ln>
@@ -4265,9 +4518,15 @@
         </a:lvl9pPr>
       </a:lstStyle>
       <a:style>
-        <a:lnRef idx="0"/>
-        <a:fillRef idx="0"/>
-        <a:effectRef idx="0"/>
+        <a:lnRef idx="0">
+          <a:scrgbClr r="0" g="0" b="0"/>
+        </a:lnRef>
+        <a:fillRef idx="0">
+          <a:scrgbClr r="0" g="0" b="0"/>
+        </a:fillRef>
+        <a:effectRef idx="0">
+          <a:scrgbClr r="0" g="0" b="0"/>
+        </a:effectRef>
         <a:fontRef idx="none"/>
       </a:style>
     </a:spDef>
@@ -4284,7 +4543,7 @@
         <a:effectLst/>
         <a:sp3d/>
       </a:spPr>
-      <a:bodyPr rot="0" spcFirstLastPara="1" vertOverflow="overflow" horzOverflow="overflow" vert="horz" wrap="square" lIns="91439" tIns="45719" rIns="91439" bIns="45719" numCol="1" spcCol="38100" rtlCol="0" anchor="t" upright="0">
+      <a:bodyPr rot="0" spcFirstLastPara="1" vertOverflow="overflow" horzOverflow="overflow" vert="horz" wrap="square" lIns="91439" tIns="45719" rIns="91439" bIns="45719" numCol="1" spcCol="38100" rtlCol="0" anchor="t">
         <a:noAutofit/>
       </a:bodyPr>
       <a:lstStyle>
@@ -4303,7 +4562,7 @@
           <a:buFontTx/>
           <a:buNone/>
           <a:tabLst/>
-          <a:defRPr b="0" baseline="0" cap="none" i="0" spc="0" strike="noStrike" sz="1800" u="none" kumimoji="0" normalizeH="0">
+          <a:defRPr kumimoji="0" sz="1800" b="0" i="0" u="none" strike="noStrike" cap="none" spc="0" normalizeH="0" baseline="0">
             <a:ln>
               <a:noFill/>
             </a:ln>
@@ -4329,7 +4588,7 @@
           <a:buFontTx/>
           <a:buNone/>
           <a:tabLst/>
-          <a:defRPr b="0" baseline="0" cap="none" i="0" spc="0" strike="noStrike" sz="1800" u="none" kumimoji="0" normalizeH="0">
+          <a:defRPr kumimoji="0" sz="1800" b="0" i="0" u="none" strike="noStrike" cap="none" spc="0" normalizeH="0" baseline="0">
             <a:ln>
               <a:noFill/>
             </a:ln>
@@ -4355,7 +4614,7 @@
           <a:buFontTx/>
           <a:buNone/>
           <a:tabLst/>
-          <a:defRPr b="0" baseline="0" cap="none" i="0" spc="0" strike="noStrike" sz="1800" u="none" kumimoji="0" normalizeH="0">
+          <a:defRPr kumimoji="0" sz="1800" b="0" i="0" u="none" strike="noStrike" cap="none" spc="0" normalizeH="0" baseline="0">
             <a:ln>
               <a:noFill/>
             </a:ln>
@@ -4381,7 +4640,7 @@
           <a:buFontTx/>
           <a:buNone/>
           <a:tabLst/>
-          <a:defRPr b="0" baseline="0" cap="none" i="0" spc="0" strike="noStrike" sz="1800" u="none" kumimoji="0" normalizeH="0">
+          <a:defRPr kumimoji="0" sz="1800" b="0" i="0" u="none" strike="noStrike" cap="none" spc="0" normalizeH="0" baseline="0">
             <a:ln>
               <a:noFill/>
             </a:ln>
@@ -4407,7 +4666,7 @@
           <a:buFontTx/>
           <a:buNone/>
           <a:tabLst/>
-          <a:defRPr b="0" baseline="0" cap="none" i="0" spc="0" strike="noStrike" sz="1800" u="none" kumimoji="0" normalizeH="0">
+          <a:defRPr kumimoji="0" sz="1800" b="0" i="0" u="none" strike="noStrike" cap="none" spc="0" normalizeH="0" baseline="0">
             <a:ln>
               <a:noFill/>
             </a:ln>
@@ -4433,7 +4692,7 @@
           <a:buFontTx/>
           <a:buNone/>
           <a:tabLst/>
-          <a:defRPr b="0" baseline="0" cap="none" i="0" spc="0" strike="noStrike" sz="1800" u="none" kumimoji="0" normalizeH="0">
+          <a:defRPr kumimoji="0" sz="1800" b="0" i="0" u="none" strike="noStrike" cap="none" spc="0" normalizeH="0" baseline="0">
             <a:ln>
               <a:noFill/>
             </a:ln>
@@ -4459,7 +4718,7 @@
           <a:buFontTx/>
           <a:buNone/>
           <a:tabLst/>
-          <a:defRPr b="0" baseline="0" cap="none" i="0" spc="0" strike="noStrike" sz="1800" u="none" kumimoji="0" normalizeH="0">
+          <a:defRPr kumimoji="0" sz="1800" b="0" i="0" u="none" strike="noStrike" cap="none" spc="0" normalizeH="0" baseline="0">
             <a:ln>
               <a:noFill/>
             </a:ln>
@@ -4485,7 +4744,7 @@
           <a:buFontTx/>
           <a:buNone/>
           <a:tabLst/>
-          <a:defRPr b="0" baseline="0" cap="none" i="0" spc="0" strike="noStrike" sz="1800" u="none" kumimoji="0" normalizeH="0">
+          <a:defRPr kumimoji="0" sz="1800" b="0" i="0" u="none" strike="noStrike" cap="none" spc="0" normalizeH="0" baseline="0">
             <a:ln>
               <a:noFill/>
             </a:ln>
@@ -4511,7 +4770,7 @@
           <a:buFontTx/>
           <a:buNone/>
           <a:tabLst/>
-          <a:defRPr b="0" baseline="0" cap="none" i="0" spc="0" strike="noStrike" sz="1800" u="none" kumimoji="0" normalizeH="0">
+          <a:defRPr kumimoji="0" sz="1800" b="0" i="0" u="none" strike="noStrike" cap="none" spc="0" normalizeH="0" baseline="0">
             <a:ln>
               <a:noFill/>
             </a:ln>
@@ -4537,7 +4796,7 @@
           <a:buFontTx/>
           <a:buNone/>
           <a:tabLst/>
-          <a:defRPr b="0" baseline="0" cap="none" i="0" spc="0" strike="noStrike" sz="1800" u="none" kumimoji="0" normalizeH="0">
+          <a:defRPr kumimoji="0" sz="1800" b="0" i="0" u="none" strike="noStrike" cap="none" spc="0" normalizeH="0" baseline="0">
             <a:ln>
               <a:noFill/>
             </a:ln>
@@ -4550,9 +4809,15 @@
         </a:lvl9pPr>
       </a:lstStyle>
       <a:style>
-        <a:lnRef idx="0"/>
-        <a:fillRef idx="0"/>
-        <a:effectRef idx="0"/>
+        <a:lnRef idx="0">
+          <a:scrgbClr r="0" g="0" b="0"/>
+        </a:lnRef>
+        <a:fillRef idx="0">
+          <a:scrgbClr r="0" g="0" b="0"/>
+        </a:fillRef>
+        <a:effectRef idx="0">
+          <a:scrgbClr r="0" g="0" b="0"/>
+        </a:effectRef>
         <a:fontRef idx="none"/>
       </a:style>
     </a:lnDef>
@@ -4566,7 +4831,7 @@
         <a:effectLst/>
         <a:sp3d/>
       </a:spPr>
-      <a:bodyPr rot="0" spcFirstLastPara="1" vertOverflow="overflow" horzOverflow="overflow" vert="horz" wrap="square" lIns="50800" tIns="50800" rIns="50800" bIns="50800" numCol="1" spcCol="38100" rtlCol="0" anchor="ctr" upright="0">
+      <a:bodyPr rot="0" spcFirstLastPara="1" vertOverflow="overflow" horzOverflow="overflow" vert="horz" wrap="square" lIns="50800" tIns="50800" rIns="50800" bIns="50800" numCol="1" spcCol="38100" rtlCol="0" anchor="ctr">
         <a:spAutoFit/>
       </a:bodyPr>
       <a:lstStyle>
@@ -4585,7 +4850,7 @@
           <a:buFontTx/>
           <a:buNone/>
           <a:tabLst/>
-          <a:defRPr b="1" baseline="0" cap="none" i="0" spc="0" strike="noStrike" sz="2400" u="none" kumimoji="0" normalizeH="0">
+          <a:defRPr kumimoji="0" sz="2400" b="1" i="0" u="none" strike="noStrike" cap="none" spc="0" normalizeH="0" baseline="0">
             <a:ln>
               <a:noFill/>
             </a:ln>
@@ -4615,7 +4880,7 @@
           <a:buFontTx/>
           <a:buNone/>
           <a:tabLst/>
-          <a:defRPr b="0" baseline="0" cap="none" i="0" spc="0" strike="noStrike" sz="1800" u="none" kumimoji="0" normalizeH="0">
+          <a:defRPr kumimoji="0" sz="1800" b="0" i="0" u="none" strike="noStrike" cap="none" spc="0" normalizeH="0" baseline="0">
             <a:ln>
               <a:noFill/>
             </a:ln>
@@ -4641,7 +4906,7 @@
           <a:buFontTx/>
           <a:buNone/>
           <a:tabLst/>
-          <a:defRPr b="0" baseline="0" cap="none" i="0" spc="0" strike="noStrike" sz="1800" u="none" kumimoji="0" normalizeH="0">
+          <a:defRPr kumimoji="0" sz="1800" b="0" i="0" u="none" strike="noStrike" cap="none" spc="0" normalizeH="0" baseline="0">
             <a:ln>
               <a:noFill/>
             </a:ln>
@@ -4667,7 +4932,7 @@
           <a:buFontTx/>
           <a:buNone/>
           <a:tabLst/>
-          <a:defRPr b="0" baseline="0" cap="none" i="0" spc="0" strike="noStrike" sz="1800" u="none" kumimoji="0" normalizeH="0">
+          <a:defRPr kumimoji="0" sz="1800" b="0" i="0" u="none" strike="noStrike" cap="none" spc="0" normalizeH="0" baseline="0">
             <a:ln>
               <a:noFill/>
             </a:ln>
@@ -4693,7 +4958,7 @@
           <a:buFontTx/>
           <a:buNone/>
           <a:tabLst/>
-          <a:defRPr b="0" baseline="0" cap="none" i="0" spc="0" strike="noStrike" sz="1800" u="none" kumimoji="0" normalizeH="0">
+          <a:defRPr kumimoji="0" sz="1800" b="0" i="0" u="none" strike="noStrike" cap="none" spc="0" normalizeH="0" baseline="0">
             <a:ln>
               <a:noFill/>
             </a:ln>
@@ -4719,7 +4984,7 @@
           <a:buFontTx/>
           <a:buNone/>
           <a:tabLst/>
-          <a:defRPr b="0" baseline="0" cap="none" i="0" spc="0" strike="noStrike" sz="1800" u="none" kumimoji="0" normalizeH="0">
+          <a:defRPr kumimoji="0" sz="1800" b="0" i="0" u="none" strike="noStrike" cap="none" spc="0" normalizeH="0" baseline="0">
             <a:ln>
               <a:noFill/>
             </a:ln>
@@ -4745,7 +5010,7 @@
           <a:buFontTx/>
           <a:buNone/>
           <a:tabLst/>
-          <a:defRPr b="0" baseline="0" cap="none" i="0" spc="0" strike="noStrike" sz="1800" u="none" kumimoji="0" normalizeH="0">
+          <a:defRPr kumimoji="0" sz="1800" b="0" i="0" u="none" strike="noStrike" cap="none" spc="0" normalizeH="0" baseline="0">
             <a:ln>
               <a:noFill/>
             </a:ln>
@@ -4771,7 +5036,7 @@
           <a:buFontTx/>
           <a:buNone/>
           <a:tabLst/>
-          <a:defRPr b="0" baseline="0" cap="none" i="0" spc="0" strike="noStrike" sz="1800" u="none" kumimoji="0" normalizeH="0">
+          <a:defRPr kumimoji="0" sz="1800" b="0" i="0" u="none" strike="noStrike" cap="none" spc="0" normalizeH="0" baseline="0">
             <a:ln>
               <a:noFill/>
             </a:ln>
@@ -4797,7 +5062,7 @@
           <a:buFontTx/>
           <a:buNone/>
           <a:tabLst/>
-          <a:defRPr b="0" baseline="0" cap="none" i="0" spc="0" strike="noStrike" sz="1800" u="none" kumimoji="0" normalizeH="0">
+          <a:defRPr kumimoji="0" sz="1800" b="0" i="0" u="none" strike="noStrike" cap="none" spc="0" normalizeH="0" baseline="0">
             <a:ln>
               <a:noFill/>
             </a:ln>
@@ -4823,7 +5088,7 @@
           <a:buFontTx/>
           <a:buNone/>
           <a:tabLst/>
-          <a:defRPr b="0" baseline="0" cap="none" i="0" spc="0" strike="noStrike" sz="1800" u="none" kumimoji="0" normalizeH="0">
+          <a:defRPr kumimoji="0" sz="1800" b="0" i="0" u="none" strike="noStrike" cap="none" spc="0" normalizeH="0" baseline="0">
             <a:ln>
               <a:noFill/>
             </a:ln>
@@ -4836,18 +5101,25 @@
         </a:lvl9pPr>
       </a:lstStyle>
       <a:style>
-        <a:lnRef idx="0"/>
-        <a:fillRef idx="0"/>
-        <a:effectRef idx="0"/>
+        <a:lnRef idx="0">
+          <a:scrgbClr r="0" g="0" b="0"/>
+        </a:lnRef>
+        <a:fillRef idx="0">
+          <a:scrgbClr r="0" g="0" b="0"/>
+        </a:fillRef>
+        <a:effectRef idx="0">
+          <a:scrgbClr r="0" g="0" b="0"/>
+        </a:effectRef>
         <a:fontRef idx="none"/>
       </a:style>
     </a:txDef>
   </a:objectDefaults>
+  <a:extraClrSchemeLst/>
 </a:theme>
 </file>
 
 <file path=ppt/theme/theme2.xml><?xml version="1.0" encoding="utf-8"?>
-<a:theme xmlns:a="http://schemas.openxmlformats.org/drawingml/2006/main" xmlns:r="http://schemas.openxmlformats.org/officeDocument/2006/relationships" name="Black">
+<a:theme xmlns:a="http://schemas.openxmlformats.org/drawingml/2006/main" name="Black">
   <a:themeElements>
     <a:clrScheme name="Black">
       <a:dk1>
@@ -5048,7 +5320,7 @@
         <a:effectLst/>
         <a:sp3d/>
       </a:spPr>
-      <a:bodyPr rot="0" spcFirstLastPara="1" vertOverflow="overflow" horzOverflow="overflow" vert="horz" wrap="square" lIns="50800" tIns="50800" rIns="50800" bIns="50800" numCol="1" spcCol="38100" rtlCol="0" anchor="ctr" upright="0">
+      <a:bodyPr rot="0" spcFirstLastPara="1" vertOverflow="overflow" horzOverflow="overflow" vert="horz" wrap="square" lIns="50800" tIns="50800" rIns="50800" bIns="50800" numCol="1" spcCol="38100" rtlCol="0" anchor="ctr">
         <a:spAutoFit/>
       </a:bodyPr>
       <a:lstStyle>
@@ -5067,7 +5339,7 @@
           <a:buFontTx/>
           <a:buNone/>
           <a:tabLst/>
-          <a:defRPr b="0" baseline="0" cap="none" i="0" spc="0" strike="noStrike" sz="2200" u="none" kumimoji="0" normalizeH="0">
+          <a:defRPr kumimoji="0" sz="2200" b="0" i="0" u="none" strike="noStrike" cap="none" spc="0" normalizeH="0" baseline="0">
             <a:ln>
               <a:noFill/>
             </a:ln>
@@ -5097,7 +5369,7 @@
           <a:buFontTx/>
           <a:buNone/>
           <a:tabLst/>
-          <a:defRPr b="0" baseline="0" cap="none" i="0" spc="0" strike="noStrike" sz="1800" u="none" kumimoji="0" normalizeH="0">
+          <a:defRPr kumimoji="0" sz="1800" b="0" i="0" u="none" strike="noStrike" cap="none" spc="0" normalizeH="0" baseline="0">
             <a:ln>
               <a:noFill/>
             </a:ln>
@@ -5123,7 +5395,7 @@
           <a:buFontTx/>
           <a:buNone/>
           <a:tabLst/>
-          <a:defRPr b="0" baseline="0" cap="none" i="0" spc="0" strike="noStrike" sz="1800" u="none" kumimoji="0" normalizeH="0">
+          <a:defRPr kumimoji="0" sz="1800" b="0" i="0" u="none" strike="noStrike" cap="none" spc="0" normalizeH="0" baseline="0">
             <a:ln>
               <a:noFill/>
             </a:ln>
@@ -5149,7 +5421,7 @@
           <a:buFontTx/>
           <a:buNone/>
           <a:tabLst/>
-          <a:defRPr b="0" baseline="0" cap="none" i="0" spc="0" strike="noStrike" sz="1800" u="none" kumimoji="0" normalizeH="0">
+          <a:defRPr kumimoji="0" sz="1800" b="0" i="0" u="none" strike="noStrike" cap="none" spc="0" normalizeH="0" baseline="0">
             <a:ln>
               <a:noFill/>
             </a:ln>
@@ -5175,7 +5447,7 @@
           <a:buFontTx/>
           <a:buNone/>
           <a:tabLst/>
-          <a:defRPr b="0" baseline="0" cap="none" i="0" spc="0" strike="noStrike" sz="1800" u="none" kumimoji="0" normalizeH="0">
+          <a:defRPr kumimoji="0" sz="1800" b="0" i="0" u="none" strike="noStrike" cap="none" spc="0" normalizeH="0" baseline="0">
             <a:ln>
               <a:noFill/>
             </a:ln>
@@ -5201,7 +5473,7 @@
           <a:buFontTx/>
           <a:buNone/>
           <a:tabLst/>
-          <a:defRPr b="0" baseline="0" cap="none" i="0" spc="0" strike="noStrike" sz="1800" u="none" kumimoji="0" normalizeH="0">
+          <a:defRPr kumimoji="0" sz="1800" b="0" i="0" u="none" strike="noStrike" cap="none" spc="0" normalizeH="0" baseline="0">
             <a:ln>
               <a:noFill/>
             </a:ln>
@@ -5227,7 +5499,7 @@
           <a:buFontTx/>
           <a:buNone/>
           <a:tabLst/>
-          <a:defRPr b="0" baseline="0" cap="none" i="0" spc="0" strike="noStrike" sz="1800" u="none" kumimoji="0" normalizeH="0">
+          <a:defRPr kumimoji="0" sz="1800" b="0" i="0" u="none" strike="noStrike" cap="none" spc="0" normalizeH="0" baseline="0">
             <a:ln>
               <a:noFill/>
             </a:ln>
@@ -5253,7 +5525,7 @@
           <a:buFontTx/>
           <a:buNone/>
           <a:tabLst/>
-          <a:defRPr b="0" baseline="0" cap="none" i="0" spc="0" strike="noStrike" sz="1800" u="none" kumimoji="0" normalizeH="0">
+          <a:defRPr kumimoji="0" sz="1800" b="0" i="0" u="none" strike="noStrike" cap="none" spc="0" normalizeH="0" baseline="0">
             <a:ln>
               <a:noFill/>
             </a:ln>
@@ -5279,7 +5551,7 @@
           <a:buFontTx/>
           <a:buNone/>
           <a:tabLst/>
-          <a:defRPr b="0" baseline="0" cap="none" i="0" spc="0" strike="noStrike" sz="1800" u="none" kumimoji="0" normalizeH="0">
+          <a:defRPr kumimoji="0" sz="1800" b="0" i="0" u="none" strike="noStrike" cap="none" spc="0" normalizeH="0" baseline="0">
             <a:ln>
               <a:noFill/>
             </a:ln>
@@ -5305,7 +5577,7 @@
           <a:buFontTx/>
           <a:buNone/>
           <a:tabLst/>
-          <a:defRPr b="0" baseline="0" cap="none" i="0" spc="0" strike="noStrike" sz="1800" u="none" kumimoji="0" normalizeH="0">
+          <a:defRPr kumimoji="0" sz="1800" b="0" i="0" u="none" strike="noStrike" cap="none" spc="0" normalizeH="0" baseline="0">
             <a:ln>
               <a:noFill/>
             </a:ln>
@@ -5318,9 +5590,15 @@
         </a:lvl9pPr>
       </a:lstStyle>
       <a:style>
-        <a:lnRef idx="0"/>
-        <a:fillRef idx="0"/>
-        <a:effectRef idx="0"/>
+        <a:lnRef idx="0">
+          <a:scrgbClr r="0" g="0" b="0"/>
+        </a:lnRef>
+        <a:fillRef idx="0">
+          <a:scrgbClr r="0" g="0" b="0"/>
+        </a:fillRef>
+        <a:effectRef idx="0">
+          <a:scrgbClr r="0" g="0" b="0"/>
+        </a:effectRef>
         <a:fontRef idx="none"/>
       </a:style>
     </a:spDef>
@@ -5337,7 +5615,7 @@
         <a:effectLst/>
         <a:sp3d/>
       </a:spPr>
-      <a:bodyPr rot="0" spcFirstLastPara="1" vertOverflow="overflow" horzOverflow="overflow" vert="horz" wrap="square" lIns="91439" tIns="45719" rIns="91439" bIns="45719" numCol="1" spcCol="38100" rtlCol="0" anchor="t" upright="0">
+      <a:bodyPr rot="0" spcFirstLastPara="1" vertOverflow="overflow" horzOverflow="overflow" vert="horz" wrap="square" lIns="91439" tIns="45719" rIns="91439" bIns="45719" numCol="1" spcCol="38100" rtlCol="0" anchor="t">
         <a:noAutofit/>
       </a:bodyPr>
       <a:lstStyle>
@@ -5356,7 +5634,7 @@
           <a:buFontTx/>
           <a:buNone/>
           <a:tabLst/>
-          <a:defRPr b="0" baseline="0" cap="none" i="0" spc="0" strike="noStrike" sz="1800" u="none" kumimoji="0" normalizeH="0">
+          <a:defRPr kumimoji="0" sz="1800" b="0" i="0" u="none" strike="noStrike" cap="none" spc="0" normalizeH="0" baseline="0">
             <a:ln>
               <a:noFill/>
             </a:ln>
@@ -5382,7 +5660,7 @@
           <a:buFontTx/>
           <a:buNone/>
           <a:tabLst/>
-          <a:defRPr b="0" baseline="0" cap="none" i="0" spc="0" strike="noStrike" sz="1800" u="none" kumimoji="0" normalizeH="0">
+          <a:defRPr kumimoji="0" sz="1800" b="0" i="0" u="none" strike="noStrike" cap="none" spc="0" normalizeH="0" baseline="0">
             <a:ln>
               <a:noFill/>
             </a:ln>
@@ -5408,7 +5686,7 @@
           <a:buFontTx/>
           <a:buNone/>
           <a:tabLst/>
-          <a:defRPr b="0" baseline="0" cap="none" i="0" spc="0" strike="noStrike" sz="1800" u="none" kumimoji="0" normalizeH="0">
+          <a:defRPr kumimoji="0" sz="1800" b="0" i="0" u="none" strike="noStrike" cap="none" spc="0" normalizeH="0" baseline="0">
             <a:ln>
               <a:noFill/>
             </a:ln>
@@ -5434,7 +5712,7 @@
           <a:buFontTx/>
           <a:buNone/>
           <a:tabLst/>
-          <a:defRPr b="0" baseline="0" cap="none" i="0" spc="0" strike="noStrike" sz="1800" u="none" kumimoji="0" normalizeH="0">
+          <a:defRPr kumimoji="0" sz="1800" b="0" i="0" u="none" strike="noStrike" cap="none" spc="0" normalizeH="0" baseline="0">
             <a:ln>
               <a:noFill/>
             </a:ln>
@@ -5460,7 +5738,7 @@
           <a:buFontTx/>
           <a:buNone/>
           <a:tabLst/>
-          <a:defRPr b="0" baseline="0" cap="none" i="0" spc="0" strike="noStrike" sz="1800" u="none" kumimoji="0" normalizeH="0">
+          <a:defRPr kumimoji="0" sz="1800" b="0" i="0" u="none" strike="noStrike" cap="none" spc="0" normalizeH="0" baseline="0">
             <a:ln>
               <a:noFill/>
             </a:ln>
@@ -5486,7 +5764,7 @@
           <a:buFontTx/>
           <a:buNone/>
           <a:tabLst/>
-          <a:defRPr b="0" baseline="0" cap="none" i="0" spc="0" strike="noStrike" sz="1800" u="none" kumimoji="0" normalizeH="0">
+          <a:defRPr kumimoji="0" sz="1800" b="0" i="0" u="none" strike="noStrike" cap="none" spc="0" normalizeH="0" baseline="0">
             <a:ln>
               <a:noFill/>
             </a:ln>
@@ -5512,7 +5790,7 @@
           <a:buFontTx/>
           <a:buNone/>
           <a:tabLst/>
-          <a:defRPr b="0" baseline="0" cap="none" i="0" spc="0" strike="noStrike" sz="1800" u="none" kumimoji="0" normalizeH="0">
+          <a:defRPr kumimoji="0" sz="1800" b="0" i="0" u="none" strike="noStrike" cap="none" spc="0" normalizeH="0" baseline="0">
             <a:ln>
               <a:noFill/>
             </a:ln>
@@ -5538,7 +5816,7 @@
           <a:buFontTx/>
           <a:buNone/>
           <a:tabLst/>
-          <a:defRPr b="0" baseline="0" cap="none" i="0" spc="0" strike="noStrike" sz="1800" u="none" kumimoji="0" normalizeH="0">
+          <a:defRPr kumimoji="0" sz="1800" b="0" i="0" u="none" strike="noStrike" cap="none" spc="0" normalizeH="0" baseline="0">
             <a:ln>
               <a:noFill/>
             </a:ln>
@@ -5564,7 +5842,7 @@
           <a:buFontTx/>
           <a:buNone/>
           <a:tabLst/>
-          <a:defRPr b="0" baseline="0" cap="none" i="0" spc="0" strike="noStrike" sz="1800" u="none" kumimoji="0" normalizeH="0">
+          <a:defRPr kumimoji="0" sz="1800" b="0" i="0" u="none" strike="noStrike" cap="none" spc="0" normalizeH="0" baseline="0">
             <a:ln>
               <a:noFill/>
             </a:ln>
@@ -5590,7 +5868,7 @@
           <a:buFontTx/>
           <a:buNone/>
           <a:tabLst/>
-          <a:defRPr b="0" baseline="0" cap="none" i="0" spc="0" strike="noStrike" sz="1800" u="none" kumimoji="0" normalizeH="0">
+          <a:defRPr kumimoji="0" sz="1800" b="0" i="0" u="none" strike="noStrike" cap="none" spc="0" normalizeH="0" baseline="0">
             <a:ln>
               <a:noFill/>
             </a:ln>
@@ -5603,9 +5881,15 @@
         </a:lvl9pPr>
       </a:lstStyle>
       <a:style>
-        <a:lnRef idx="0"/>
-        <a:fillRef idx="0"/>
-        <a:effectRef idx="0"/>
+        <a:lnRef idx="0">
+          <a:scrgbClr r="0" g="0" b="0"/>
+        </a:lnRef>
+        <a:fillRef idx="0">
+          <a:scrgbClr r="0" g="0" b="0"/>
+        </a:fillRef>
+        <a:effectRef idx="0">
+          <a:scrgbClr r="0" g="0" b="0"/>
+        </a:effectRef>
         <a:fontRef idx="none"/>
       </a:style>
     </a:lnDef>
@@ -5619,7 +5903,7 @@
         <a:effectLst/>
         <a:sp3d/>
       </a:spPr>
-      <a:bodyPr rot="0" spcFirstLastPara="1" vertOverflow="overflow" horzOverflow="overflow" vert="horz" wrap="square" lIns="50800" tIns="50800" rIns="50800" bIns="50800" numCol="1" spcCol="38100" rtlCol="0" anchor="ctr" upright="0">
+      <a:bodyPr rot="0" spcFirstLastPara="1" vertOverflow="overflow" horzOverflow="overflow" vert="horz" wrap="square" lIns="50800" tIns="50800" rIns="50800" bIns="50800" numCol="1" spcCol="38100" rtlCol="0" anchor="ctr">
         <a:spAutoFit/>
       </a:bodyPr>
       <a:lstStyle>
@@ -5638,7 +5922,7 @@
           <a:buFontTx/>
           <a:buNone/>
           <a:tabLst/>
-          <a:defRPr b="1" baseline="0" cap="none" i="0" spc="0" strike="noStrike" sz="2400" u="none" kumimoji="0" normalizeH="0">
+          <a:defRPr kumimoji="0" sz="2400" b="1" i="0" u="none" strike="noStrike" cap="none" spc="0" normalizeH="0" baseline="0">
             <a:ln>
               <a:noFill/>
             </a:ln>
@@ -5668,7 +5952,7 @@
           <a:buFontTx/>
           <a:buNone/>
           <a:tabLst/>
-          <a:defRPr b="0" baseline="0" cap="none" i="0" spc="0" strike="noStrike" sz="1800" u="none" kumimoji="0" normalizeH="0">
+          <a:defRPr kumimoji="0" sz="1800" b="0" i="0" u="none" strike="noStrike" cap="none" spc="0" normalizeH="0" baseline="0">
             <a:ln>
               <a:noFill/>
             </a:ln>
@@ -5694,7 +5978,7 @@
           <a:buFontTx/>
           <a:buNone/>
           <a:tabLst/>
-          <a:defRPr b="0" baseline="0" cap="none" i="0" spc="0" strike="noStrike" sz="1800" u="none" kumimoji="0" normalizeH="0">
+          <a:defRPr kumimoji="0" sz="1800" b="0" i="0" u="none" strike="noStrike" cap="none" spc="0" normalizeH="0" baseline="0">
             <a:ln>
               <a:noFill/>
             </a:ln>
@@ -5720,7 +6004,7 @@
           <a:buFontTx/>
           <a:buNone/>
           <a:tabLst/>
-          <a:defRPr b="0" baseline="0" cap="none" i="0" spc="0" strike="noStrike" sz="1800" u="none" kumimoji="0" normalizeH="0">
+          <a:defRPr kumimoji="0" sz="1800" b="0" i="0" u="none" strike="noStrike" cap="none" spc="0" normalizeH="0" baseline="0">
             <a:ln>
               <a:noFill/>
             </a:ln>
@@ -5746,7 +6030,7 @@
           <a:buFontTx/>
           <a:buNone/>
           <a:tabLst/>
-          <a:defRPr b="0" baseline="0" cap="none" i="0" spc="0" strike="noStrike" sz="1800" u="none" kumimoji="0" normalizeH="0">
+          <a:defRPr kumimoji="0" sz="1800" b="0" i="0" u="none" strike="noStrike" cap="none" spc="0" normalizeH="0" baseline="0">
             <a:ln>
               <a:noFill/>
             </a:ln>
@@ -5772,7 +6056,7 @@
           <a:buFontTx/>
           <a:buNone/>
           <a:tabLst/>
-          <a:defRPr b="0" baseline="0" cap="none" i="0" spc="0" strike="noStrike" sz="1800" u="none" kumimoji="0" normalizeH="0">
+          <a:defRPr kumimoji="0" sz="1800" b="0" i="0" u="none" strike="noStrike" cap="none" spc="0" normalizeH="0" baseline="0">
             <a:ln>
               <a:noFill/>
             </a:ln>
@@ -5798,7 +6082,7 @@
           <a:buFontTx/>
           <a:buNone/>
           <a:tabLst/>
-          <a:defRPr b="0" baseline="0" cap="none" i="0" spc="0" strike="noStrike" sz="1800" u="none" kumimoji="0" normalizeH="0">
+          <a:defRPr kumimoji="0" sz="1800" b="0" i="0" u="none" strike="noStrike" cap="none" spc="0" normalizeH="0" baseline="0">
             <a:ln>
               <a:noFill/>
             </a:ln>
@@ -5824,7 +6108,7 @@
           <a:buFontTx/>
           <a:buNone/>
           <a:tabLst/>
-          <a:defRPr b="0" baseline="0" cap="none" i="0" spc="0" strike="noStrike" sz="1800" u="none" kumimoji="0" normalizeH="0">
+          <a:defRPr kumimoji="0" sz="1800" b="0" i="0" u="none" strike="noStrike" cap="none" spc="0" normalizeH="0" baseline="0">
             <a:ln>
               <a:noFill/>
             </a:ln>
@@ -5850,7 +6134,7 @@
           <a:buFontTx/>
           <a:buNone/>
           <a:tabLst/>
-          <a:defRPr b="0" baseline="0" cap="none" i="0" spc="0" strike="noStrike" sz="1800" u="none" kumimoji="0" normalizeH="0">
+          <a:defRPr kumimoji="0" sz="1800" b="0" i="0" u="none" strike="noStrike" cap="none" spc="0" normalizeH="0" baseline="0">
             <a:ln>
               <a:noFill/>
             </a:ln>
@@ -5876,7 +6160,7 @@
           <a:buFontTx/>
           <a:buNone/>
           <a:tabLst/>
-          <a:defRPr b="0" baseline="0" cap="none" i="0" spc="0" strike="noStrike" sz="1800" u="none" kumimoji="0" normalizeH="0">
+          <a:defRPr kumimoji="0" sz="1800" b="0" i="0" u="none" strike="noStrike" cap="none" spc="0" normalizeH="0" baseline="0">
             <a:ln>
               <a:noFill/>
             </a:ln>
@@ -5889,12 +6173,19 @@
         </a:lvl9pPr>
       </a:lstStyle>
       <a:style>
-        <a:lnRef idx="0"/>
-        <a:fillRef idx="0"/>
-        <a:effectRef idx="0"/>
+        <a:lnRef idx="0">
+          <a:scrgbClr r="0" g="0" b="0"/>
+        </a:lnRef>
+        <a:fillRef idx="0">
+          <a:scrgbClr r="0" g="0" b="0"/>
+        </a:fillRef>
+        <a:effectRef idx="0">
+          <a:scrgbClr r="0" g="0" b="0"/>
+        </a:effectRef>
         <a:fontRef idx="none"/>
       </a:style>
     </a:txDef>
   </a:objectDefaults>
+  <a:extraClrSchemeLst/>
 </a:theme>
 </file>